--- a/@_docs/bogya/presentation.pptx
+++ b/@_docs/bogya/presentation.pptx
@@ -5,46 +5,47 @@
     <p:sldMasterId id="2147483648" r:id="rId1"/>
   </p:sldMasterIdLst>
   <p:notesMasterIdLst>
-    <p:notesMasterId r:id="rId32"/>
+    <p:notesMasterId r:id="rId33"/>
   </p:notesMasterIdLst>
   <p:sldIdLst>
     <p:sldId id="256" r:id="rId2"/>
-    <p:sldId id="271" r:id="rId3"/>
-    <p:sldId id="272" r:id="rId4"/>
-    <p:sldId id="268" r:id="rId5"/>
-    <p:sldId id="277" r:id="rId6"/>
-    <p:sldId id="278" r:id="rId7"/>
-    <p:sldId id="279" r:id="rId8"/>
-    <p:sldId id="280" r:id="rId9"/>
-    <p:sldId id="281" r:id="rId10"/>
-    <p:sldId id="282" r:id="rId11"/>
-    <p:sldId id="283" r:id="rId12"/>
-    <p:sldId id="284" r:id="rId13"/>
-    <p:sldId id="285" r:id="rId14"/>
-    <p:sldId id="286" r:id="rId15"/>
-    <p:sldId id="288" r:id="rId16"/>
-    <p:sldId id="289" r:id="rId17"/>
-    <p:sldId id="265" r:id="rId18"/>
-    <p:sldId id="257" r:id="rId19"/>
-    <p:sldId id="293" r:id="rId20"/>
-    <p:sldId id="295" r:id="rId21"/>
-    <p:sldId id="296" r:id="rId22"/>
-    <p:sldId id="294" r:id="rId23"/>
-    <p:sldId id="273" r:id="rId24"/>
-    <p:sldId id="297" r:id="rId25"/>
-    <p:sldId id="298" r:id="rId26"/>
-    <p:sldId id="291" r:id="rId27"/>
-    <p:sldId id="264" r:id="rId28"/>
-    <p:sldId id="270" r:id="rId29"/>
-    <p:sldId id="290" r:id="rId30"/>
-    <p:sldId id="269" r:id="rId31"/>
+    <p:sldId id="299" r:id="rId3"/>
+    <p:sldId id="271" r:id="rId4"/>
+    <p:sldId id="272" r:id="rId5"/>
+    <p:sldId id="268" r:id="rId6"/>
+    <p:sldId id="277" r:id="rId7"/>
+    <p:sldId id="278" r:id="rId8"/>
+    <p:sldId id="279" r:id="rId9"/>
+    <p:sldId id="280" r:id="rId10"/>
+    <p:sldId id="281" r:id="rId11"/>
+    <p:sldId id="282" r:id="rId12"/>
+    <p:sldId id="283" r:id="rId13"/>
+    <p:sldId id="284" r:id="rId14"/>
+    <p:sldId id="285" r:id="rId15"/>
+    <p:sldId id="286" r:id="rId16"/>
+    <p:sldId id="288" r:id="rId17"/>
+    <p:sldId id="289" r:id="rId18"/>
+    <p:sldId id="265" r:id="rId19"/>
+    <p:sldId id="257" r:id="rId20"/>
+    <p:sldId id="293" r:id="rId21"/>
+    <p:sldId id="295" r:id="rId22"/>
+    <p:sldId id="296" r:id="rId23"/>
+    <p:sldId id="294" r:id="rId24"/>
+    <p:sldId id="273" r:id="rId25"/>
+    <p:sldId id="297" r:id="rId26"/>
+    <p:sldId id="298" r:id="rId27"/>
+    <p:sldId id="291" r:id="rId28"/>
+    <p:sldId id="264" r:id="rId29"/>
+    <p:sldId id="270" r:id="rId30"/>
+    <p:sldId id="290" r:id="rId31"/>
+    <p:sldId id="269" r:id="rId32"/>
   </p:sldIdLst>
   <p:sldSz cx="9144000" cy="5143500" type="screen16x9"/>
   <p:notesSz cx="6858000" cy="9144000"/>
   <p:embeddedFontLst>
     <p:embeddedFont>
       <p:font typeface="Roboto" panose="020B0604020202020204" charset="0"/>
-      <p:regular r:id="rId33"/>
+      <p:regular r:id="rId34"/>
     </p:embeddedFont>
   </p:embeddedFontLst>
   <p:defaultTextStyle>
@@ -7771,6 +7772,784 @@
         </p:nvSpPr>
         <p:spPr>
           <a:xfrm>
+            <a:off x="232802" y="129009"/>
+            <a:ext cx="3924300" cy="738664"/>
+          </a:xfrm>
+          <a:prstGeom prst="rect">
+            <a:avLst/>
+          </a:prstGeom>
+        </p:spPr>
+        <p:style>
+          <a:lnRef idx="2">
+            <a:schemeClr val="accent6"/>
+          </a:lnRef>
+          <a:fillRef idx="1">
+            <a:schemeClr val="lt1"/>
+          </a:fillRef>
+          <a:effectRef idx="0">
+            <a:schemeClr val="accent6"/>
+          </a:effectRef>
+          <a:fontRef idx="minor">
+            <a:schemeClr val="dk1"/>
+          </a:fontRef>
+        </p:style>
+        <p:txBody>
+          <a:bodyPr wrap="square" rtlCol="0">
+            <a:spAutoFit/>
+          </a:bodyPr>
+          <a:lstStyle/>
+          <a:p>
+            <a:pPr algn="ctr"/>
+            <a:r>
+              <a:rPr lang="ru-RU" dirty="0"/>
+              <a:t>Уровень образования, наименование специальности, направления подготовки, наименование присвоенной квалификации</a:t>
+            </a:r>
+          </a:p>
+        </p:txBody>
+      </p:sp>
+      <p:sp>
+        <p:nvSpPr>
+          <p:cNvPr id="3" name="Стрелка: вниз 2">
+            <a:extLst>
+              <a:ext uri="{FF2B5EF4-FFF2-40B4-BE49-F238E27FC236}">
+                <a16:creationId xmlns:a16="http://schemas.microsoft.com/office/drawing/2014/main" id="{0997EC17-D294-4AAC-89D2-286D2A9D22DD}"/>
+              </a:ext>
+            </a:extLst>
+          </p:cNvPr>
+          <p:cNvSpPr/>
+          <p:nvPr/>
+        </p:nvSpPr>
+        <p:spPr>
+          <a:xfrm>
+            <a:off x="3682284" y="860659"/>
+            <a:ext cx="501650" cy="463449"/>
+          </a:xfrm>
+          <a:prstGeom prst="downArrow">
+            <a:avLst/>
+          </a:prstGeom>
+        </p:spPr>
+        <p:style>
+          <a:lnRef idx="2">
+            <a:schemeClr val="accent1">
+              <a:shade val="50000"/>
+            </a:schemeClr>
+          </a:lnRef>
+          <a:fillRef idx="1">
+            <a:schemeClr val="accent1"/>
+          </a:fillRef>
+          <a:effectRef idx="0">
+            <a:schemeClr val="accent1"/>
+          </a:effectRef>
+          <a:fontRef idx="minor">
+            <a:schemeClr val="lt1"/>
+          </a:fontRef>
+        </p:style>
+        <p:txBody>
+          <a:bodyPr rtlCol="0" anchor="ctr"/>
+          <a:lstStyle/>
+          <a:p>
+            <a:pPr algn="ctr"/>
+            <a:endParaRPr lang="ru-RU"/>
+          </a:p>
+        </p:txBody>
+      </p:sp>
+      <p:sp>
+        <p:nvSpPr>
+          <p:cNvPr id="7" name="Стрелка: вниз 6">
+            <a:extLst>
+              <a:ext uri="{FF2B5EF4-FFF2-40B4-BE49-F238E27FC236}">
+                <a16:creationId xmlns:a16="http://schemas.microsoft.com/office/drawing/2014/main" id="{BF82D7B5-0E55-44F2-BAF5-9BA782E99223}"/>
+              </a:ext>
+            </a:extLst>
+          </p:cNvPr>
+          <p:cNvSpPr/>
+          <p:nvPr/>
+        </p:nvSpPr>
+        <p:spPr>
+          <a:xfrm>
+            <a:off x="3682284" y="2446592"/>
+            <a:ext cx="501650" cy="379118"/>
+          </a:xfrm>
+          <a:prstGeom prst="downArrow">
+            <a:avLst/>
+          </a:prstGeom>
+        </p:spPr>
+        <p:style>
+          <a:lnRef idx="2">
+            <a:schemeClr val="accent1">
+              <a:shade val="50000"/>
+            </a:schemeClr>
+          </a:lnRef>
+          <a:fillRef idx="1">
+            <a:schemeClr val="accent1"/>
+          </a:fillRef>
+          <a:effectRef idx="0">
+            <a:schemeClr val="accent1"/>
+          </a:effectRef>
+          <a:fontRef idx="minor">
+            <a:schemeClr val="lt1"/>
+          </a:fontRef>
+        </p:style>
+        <p:txBody>
+          <a:bodyPr rtlCol="0" anchor="ctr"/>
+          <a:lstStyle/>
+          <a:p>
+            <a:pPr algn="ctr"/>
+            <a:endParaRPr lang="ru-RU"/>
+          </a:p>
+        </p:txBody>
+      </p:sp>
+      <p:sp>
+        <p:nvSpPr>
+          <p:cNvPr id="6" name="Прямоугольник 5">
+            <a:extLst>
+              <a:ext uri="{FF2B5EF4-FFF2-40B4-BE49-F238E27FC236}">
+                <a16:creationId xmlns:a16="http://schemas.microsoft.com/office/drawing/2014/main" id="{50B64E88-C250-4A01-BDBD-365750F0F862}"/>
+              </a:ext>
+            </a:extLst>
+          </p:cNvPr>
+          <p:cNvSpPr/>
+          <p:nvPr/>
+        </p:nvSpPr>
+        <p:spPr>
+          <a:xfrm>
+            <a:off x="3568700" y="1337192"/>
+            <a:ext cx="1460500" cy="1109400"/>
+          </a:xfrm>
+          <a:prstGeom prst="rect">
+            <a:avLst/>
+          </a:prstGeom>
+          <a:noFill/>
+        </p:spPr>
+        <p:style>
+          <a:lnRef idx="2">
+            <a:schemeClr val="accent1">
+              <a:shade val="50000"/>
+            </a:schemeClr>
+          </a:lnRef>
+          <a:fillRef idx="1">
+            <a:schemeClr val="accent1"/>
+          </a:fillRef>
+          <a:effectRef idx="0">
+            <a:schemeClr val="accent1"/>
+          </a:effectRef>
+          <a:fontRef idx="minor">
+            <a:schemeClr val="lt1"/>
+          </a:fontRef>
+        </p:style>
+        <p:txBody>
+          <a:bodyPr rtlCol="0" anchor="ctr"/>
+          <a:lstStyle/>
+          <a:p>
+            <a:pPr algn="ctr"/>
+            <a:endParaRPr lang="ru-RU"/>
+          </a:p>
+        </p:txBody>
+      </p:sp>
+      <p:pic>
+        <p:nvPicPr>
+          <p:cNvPr id="9" name="Рисунок 8">
+            <a:extLst>
+              <a:ext uri="{FF2B5EF4-FFF2-40B4-BE49-F238E27FC236}">
+                <a16:creationId xmlns:a16="http://schemas.microsoft.com/office/drawing/2014/main" id="{B8474EBE-3B0C-4D4F-B3B8-5C1D1AE32902}"/>
+              </a:ext>
+            </a:extLst>
+          </p:cNvPr>
+          <p:cNvPicPr>
+            <a:picLocks noChangeAspect="1"/>
+          </p:cNvPicPr>
+          <p:nvPr/>
+        </p:nvPicPr>
+        <p:blipFill>
+          <a:blip r:embed="rId3"/>
+          <a:stretch>
+            <a:fillRect/>
+          </a:stretch>
+        </p:blipFill>
+        <p:spPr>
+          <a:xfrm>
+            <a:off x="3098800" y="2825710"/>
+            <a:ext cx="2472780" cy="1948251"/>
+          </a:xfrm>
+          <a:prstGeom prst="rect">
+            <a:avLst/>
+          </a:prstGeom>
+          <a:ln>
+            <a:noFill/>
+          </a:ln>
+          <a:effectLst>
+            <a:outerShdw blurRad="190500" algn="tl" rotWithShape="0">
+              <a:srgbClr val="000000">
+                <a:alpha val="70000"/>
+              </a:srgbClr>
+            </a:outerShdw>
+          </a:effectLst>
+        </p:spPr>
+      </p:pic>
+      <p:sp>
+        <p:nvSpPr>
+          <p:cNvPr id="11" name="TextBox 10">
+            <a:extLst>
+              <a:ext uri="{FF2B5EF4-FFF2-40B4-BE49-F238E27FC236}">
+                <a16:creationId xmlns:a16="http://schemas.microsoft.com/office/drawing/2014/main" id="{A6E4FBCB-065F-4867-A143-1197C56127A1}"/>
+              </a:ext>
+            </a:extLst>
+          </p:cNvPr>
+          <p:cNvSpPr txBox="1"/>
+          <p:nvPr/>
+        </p:nvSpPr>
+        <p:spPr>
+          <a:xfrm>
+            <a:off x="4157102" y="129201"/>
+            <a:ext cx="2658736" cy="738664"/>
+          </a:xfrm>
+          <a:prstGeom prst="rect">
+            <a:avLst/>
+          </a:prstGeom>
+        </p:spPr>
+        <p:style>
+          <a:lnRef idx="2">
+            <a:schemeClr val="accent6"/>
+          </a:lnRef>
+          <a:fillRef idx="1">
+            <a:schemeClr val="lt1"/>
+          </a:fillRef>
+          <a:effectRef idx="0">
+            <a:schemeClr val="accent6"/>
+          </a:effectRef>
+          <a:fontRef idx="minor">
+            <a:schemeClr val="dk1"/>
+          </a:fontRef>
+        </p:style>
+        <p:txBody>
+          <a:bodyPr wrap="square" rtlCol="0">
+            <a:spAutoFit/>
+          </a:bodyPr>
+          <a:lstStyle/>
+          <a:p>
+            <a:r>
+              <a:rPr lang="ru-RU" dirty="0"/>
+              <a:t>Сведения о дополнительном профессиональном образовании</a:t>
+            </a:r>
+          </a:p>
+        </p:txBody>
+      </p:sp>
+      <p:sp>
+        <p:nvSpPr>
+          <p:cNvPr id="12" name="Стрелка: вниз 11">
+            <a:extLst>
+              <a:ext uri="{FF2B5EF4-FFF2-40B4-BE49-F238E27FC236}">
+                <a16:creationId xmlns:a16="http://schemas.microsoft.com/office/drawing/2014/main" id="{3DBA9134-54C5-46C5-8F5A-FDC94594052F}"/>
+              </a:ext>
+            </a:extLst>
+          </p:cNvPr>
+          <p:cNvSpPr/>
+          <p:nvPr/>
+        </p:nvSpPr>
+        <p:spPr>
+          <a:xfrm>
+            <a:off x="4407927" y="860659"/>
+            <a:ext cx="501650" cy="463449"/>
+          </a:xfrm>
+          <a:prstGeom prst="downArrow">
+            <a:avLst/>
+          </a:prstGeom>
+        </p:spPr>
+        <p:style>
+          <a:lnRef idx="2">
+            <a:schemeClr val="accent1">
+              <a:shade val="50000"/>
+            </a:schemeClr>
+          </a:lnRef>
+          <a:fillRef idx="1">
+            <a:schemeClr val="accent1"/>
+          </a:fillRef>
+          <a:effectRef idx="0">
+            <a:schemeClr val="accent1"/>
+          </a:effectRef>
+          <a:fontRef idx="minor">
+            <a:schemeClr val="lt1"/>
+          </a:fontRef>
+        </p:style>
+        <p:txBody>
+          <a:bodyPr rtlCol="0" anchor="ctr"/>
+          <a:lstStyle/>
+          <a:p>
+            <a:pPr algn="ctr"/>
+            <a:endParaRPr lang="ru-RU"/>
+          </a:p>
+        </p:txBody>
+      </p:sp>
+      <p:sp>
+        <p:nvSpPr>
+          <p:cNvPr id="13" name="Стрелка: вниз 12">
+            <a:extLst>
+              <a:ext uri="{FF2B5EF4-FFF2-40B4-BE49-F238E27FC236}">
+                <a16:creationId xmlns:a16="http://schemas.microsoft.com/office/drawing/2014/main" id="{3ACE6489-E456-436C-AAFB-F5DBF27734BE}"/>
+              </a:ext>
+            </a:extLst>
+          </p:cNvPr>
+          <p:cNvSpPr/>
+          <p:nvPr/>
+        </p:nvSpPr>
+        <p:spPr>
+          <a:xfrm>
+            <a:off x="4407927" y="2446592"/>
+            <a:ext cx="501650" cy="379118"/>
+          </a:xfrm>
+          <a:prstGeom prst="downArrow">
+            <a:avLst/>
+          </a:prstGeom>
+        </p:spPr>
+        <p:style>
+          <a:lnRef idx="2">
+            <a:schemeClr val="accent1">
+              <a:shade val="50000"/>
+            </a:schemeClr>
+          </a:lnRef>
+          <a:fillRef idx="1">
+            <a:schemeClr val="accent1"/>
+          </a:fillRef>
+          <a:effectRef idx="0">
+            <a:schemeClr val="accent1"/>
+          </a:effectRef>
+          <a:fontRef idx="minor">
+            <a:schemeClr val="lt1"/>
+          </a:fontRef>
+        </p:style>
+        <p:txBody>
+          <a:bodyPr rtlCol="0" anchor="ctr"/>
+          <a:lstStyle/>
+          <a:p>
+            <a:pPr algn="ctr"/>
+            <a:endParaRPr lang="ru-RU"/>
+          </a:p>
+        </p:txBody>
+      </p:sp>
+    </p:spTree>
+    <p:extLst>
+      <p:ext uri="{BB962C8B-B14F-4D97-AF65-F5344CB8AC3E}">
+        <p14:creationId xmlns:p14="http://schemas.microsoft.com/office/powerpoint/2010/main" val="261643576"/>
+      </p:ext>
+    </p:extLst>
+  </p:cSld>
+  <p:clrMapOvr>
+    <a:masterClrMapping/>
+  </p:clrMapOvr>
+  <p:timing>
+    <p:tnLst>
+      <p:par>
+        <p:cTn id="1" dur="indefinite" restart="never" nodeType="tmRoot">
+          <p:childTnLst>
+            <p:seq concurrent="1" nextAc="seek">
+              <p:cTn id="2" dur="indefinite" nodeType="mainSeq">
+                <p:childTnLst>
+                  <p:par>
+                    <p:cTn id="3" fill="hold">
+                      <p:stCondLst>
+                        <p:cond delay="indefinite"/>
+                        <p:cond evt="onBegin" delay="0">
+                          <p:tn val="2"/>
+                        </p:cond>
+                      </p:stCondLst>
+                      <p:childTnLst>
+                        <p:par>
+                          <p:cTn id="4" fill="hold">
+                            <p:stCondLst>
+                              <p:cond delay="0"/>
+                            </p:stCondLst>
+                            <p:childTnLst>
+                              <p:par>
+                                <p:cTn id="5" presetID="14" presetClass="entr" presetSubtype="10" fill="hold" grpId="0" nodeType="withEffect">
+                                  <p:stCondLst>
+                                    <p:cond delay="0"/>
+                                  </p:stCondLst>
+                                  <p:childTnLst>
+                                    <p:set>
+                                      <p:cBhvr>
+                                        <p:cTn id="6" dur="1" fill="hold">
+                                          <p:stCondLst>
+                                            <p:cond delay="0"/>
+                                          </p:stCondLst>
+                                        </p:cTn>
+                                        <p:tgtEl>
+                                          <p:spTgt spid="3"/>
+                                        </p:tgtEl>
+                                        <p:attrNameLst>
+                                          <p:attrName>style.visibility</p:attrName>
+                                        </p:attrNameLst>
+                                      </p:cBhvr>
+                                      <p:to>
+                                        <p:strVal val="visible"/>
+                                      </p:to>
+                                    </p:set>
+                                    <p:animEffect transition="in" filter="randombar(horizontal)">
+                                      <p:cBhvr>
+                                        <p:cTn id="7" dur="500"/>
+                                        <p:tgtEl>
+                                          <p:spTgt spid="3"/>
+                                        </p:tgtEl>
+                                      </p:cBhvr>
+                                    </p:animEffect>
+                                  </p:childTnLst>
+                                </p:cTn>
+                              </p:par>
+                              <p:par>
+                                <p:cTn id="8" presetID="14" presetClass="entr" presetSubtype="10" fill="hold" grpId="0" nodeType="withEffect">
+                                  <p:stCondLst>
+                                    <p:cond delay="0"/>
+                                  </p:stCondLst>
+                                  <p:childTnLst>
+                                    <p:set>
+                                      <p:cBhvr>
+                                        <p:cTn id="9" dur="1" fill="hold">
+                                          <p:stCondLst>
+                                            <p:cond delay="0"/>
+                                          </p:stCondLst>
+                                        </p:cTn>
+                                        <p:tgtEl>
+                                          <p:spTgt spid="12"/>
+                                        </p:tgtEl>
+                                        <p:attrNameLst>
+                                          <p:attrName>style.visibility</p:attrName>
+                                        </p:attrNameLst>
+                                      </p:cBhvr>
+                                      <p:to>
+                                        <p:strVal val="visible"/>
+                                      </p:to>
+                                    </p:set>
+                                    <p:animEffect transition="in" filter="randombar(horizontal)">
+                                      <p:cBhvr>
+                                        <p:cTn id="10" dur="500"/>
+                                        <p:tgtEl>
+                                          <p:spTgt spid="12"/>
+                                        </p:tgtEl>
+                                      </p:cBhvr>
+                                    </p:animEffect>
+                                  </p:childTnLst>
+                                </p:cTn>
+                              </p:par>
+                              <p:par>
+                                <p:cTn id="11" presetID="14" presetClass="entr" presetSubtype="10" fill="hold" grpId="0" nodeType="withEffect">
+                                  <p:stCondLst>
+                                    <p:cond delay="0"/>
+                                  </p:stCondLst>
+                                  <p:childTnLst>
+                                    <p:set>
+                                      <p:cBhvr>
+                                        <p:cTn id="12" dur="1" fill="hold">
+                                          <p:stCondLst>
+                                            <p:cond delay="0"/>
+                                          </p:stCondLst>
+                                        </p:cTn>
+                                        <p:tgtEl>
+                                          <p:spTgt spid="11"/>
+                                        </p:tgtEl>
+                                        <p:attrNameLst>
+                                          <p:attrName>style.visibility</p:attrName>
+                                        </p:attrNameLst>
+                                      </p:cBhvr>
+                                      <p:to>
+                                        <p:strVal val="visible"/>
+                                      </p:to>
+                                    </p:set>
+                                    <p:animEffect transition="in" filter="randombar(horizontal)">
+                                      <p:cBhvr>
+                                        <p:cTn id="13" dur="500"/>
+                                        <p:tgtEl>
+                                          <p:spTgt spid="11"/>
+                                        </p:tgtEl>
+                                      </p:cBhvr>
+                                    </p:animEffect>
+                                  </p:childTnLst>
+                                </p:cTn>
+                              </p:par>
+                              <p:par>
+                                <p:cTn id="14" presetID="14" presetClass="entr" presetSubtype="10" fill="hold" grpId="0" nodeType="withEffect">
+                                  <p:stCondLst>
+                                    <p:cond delay="0"/>
+                                  </p:stCondLst>
+                                  <p:childTnLst>
+                                    <p:set>
+                                      <p:cBhvr>
+                                        <p:cTn id="15" dur="1" fill="hold">
+                                          <p:stCondLst>
+                                            <p:cond delay="0"/>
+                                          </p:stCondLst>
+                                        </p:cTn>
+                                        <p:tgtEl>
+                                          <p:spTgt spid="10"/>
+                                        </p:tgtEl>
+                                        <p:attrNameLst>
+                                          <p:attrName>style.visibility</p:attrName>
+                                        </p:attrNameLst>
+                                      </p:cBhvr>
+                                      <p:to>
+                                        <p:strVal val="visible"/>
+                                      </p:to>
+                                    </p:set>
+                                    <p:animEffect transition="in" filter="randombar(horizontal)">
+                                      <p:cBhvr>
+                                        <p:cTn id="16" dur="500"/>
+                                        <p:tgtEl>
+                                          <p:spTgt spid="10"/>
+                                        </p:tgtEl>
+                                      </p:cBhvr>
+                                    </p:animEffect>
+                                  </p:childTnLst>
+                                </p:cTn>
+                              </p:par>
+                              <p:par>
+                                <p:cTn id="17" presetID="14" presetClass="entr" presetSubtype="10" fill="hold" nodeType="withEffect">
+                                  <p:stCondLst>
+                                    <p:cond delay="0"/>
+                                  </p:stCondLst>
+                                  <p:childTnLst>
+                                    <p:set>
+                                      <p:cBhvr>
+                                        <p:cTn id="18" dur="1" fill="hold">
+                                          <p:stCondLst>
+                                            <p:cond delay="0"/>
+                                          </p:stCondLst>
+                                        </p:cTn>
+                                        <p:tgtEl>
+                                          <p:spTgt spid="9"/>
+                                        </p:tgtEl>
+                                        <p:attrNameLst>
+                                          <p:attrName>style.visibility</p:attrName>
+                                        </p:attrNameLst>
+                                      </p:cBhvr>
+                                      <p:to>
+                                        <p:strVal val="visible"/>
+                                      </p:to>
+                                    </p:set>
+                                    <p:animEffect transition="in" filter="randombar(horizontal)">
+                                      <p:cBhvr>
+                                        <p:cTn id="19" dur="500"/>
+                                        <p:tgtEl>
+                                          <p:spTgt spid="9"/>
+                                        </p:tgtEl>
+                                      </p:cBhvr>
+                                    </p:animEffect>
+                                  </p:childTnLst>
+                                </p:cTn>
+                              </p:par>
+                              <p:par>
+                                <p:cTn id="20" presetID="14" presetClass="entr" presetSubtype="10" fill="hold" grpId="0" nodeType="withEffect">
+                                  <p:stCondLst>
+                                    <p:cond delay="0"/>
+                                  </p:stCondLst>
+                                  <p:childTnLst>
+                                    <p:set>
+                                      <p:cBhvr>
+                                        <p:cTn id="21" dur="1" fill="hold">
+                                          <p:stCondLst>
+                                            <p:cond delay="0"/>
+                                          </p:stCondLst>
+                                        </p:cTn>
+                                        <p:tgtEl>
+                                          <p:spTgt spid="7"/>
+                                        </p:tgtEl>
+                                        <p:attrNameLst>
+                                          <p:attrName>style.visibility</p:attrName>
+                                        </p:attrNameLst>
+                                      </p:cBhvr>
+                                      <p:to>
+                                        <p:strVal val="visible"/>
+                                      </p:to>
+                                    </p:set>
+                                    <p:animEffect transition="in" filter="randombar(horizontal)">
+                                      <p:cBhvr>
+                                        <p:cTn id="22" dur="500"/>
+                                        <p:tgtEl>
+                                          <p:spTgt spid="7"/>
+                                        </p:tgtEl>
+                                      </p:cBhvr>
+                                    </p:animEffect>
+                                  </p:childTnLst>
+                                </p:cTn>
+                              </p:par>
+                              <p:par>
+                                <p:cTn id="23" presetID="14" presetClass="entr" presetSubtype="10" fill="hold" grpId="0" nodeType="withEffect">
+                                  <p:stCondLst>
+                                    <p:cond delay="0"/>
+                                  </p:stCondLst>
+                                  <p:childTnLst>
+                                    <p:set>
+                                      <p:cBhvr>
+                                        <p:cTn id="24" dur="1" fill="hold">
+                                          <p:stCondLst>
+                                            <p:cond delay="0"/>
+                                          </p:stCondLst>
+                                        </p:cTn>
+                                        <p:tgtEl>
+                                          <p:spTgt spid="13"/>
+                                        </p:tgtEl>
+                                        <p:attrNameLst>
+                                          <p:attrName>style.visibility</p:attrName>
+                                        </p:attrNameLst>
+                                      </p:cBhvr>
+                                      <p:to>
+                                        <p:strVal val="visible"/>
+                                      </p:to>
+                                    </p:set>
+                                    <p:animEffect transition="in" filter="randombar(horizontal)">
+                                      <p:cBhvr>
+                                        <p:cTn id="25" dur="500"/>
+                                        <p:tgtEl>
+                                          <p:spTgt spid="13"/>
+                                        </p:tgtEl>
+                                      </p:cBhvr>
+                                    </p:animEffect>
+                                  </p:childTnLst>
+                                </p:cTn>
+                              </p:par>
+                              <p:par>
+                                <p:cTn id="26" presetID="14" presetClass="entr" presetSubtype="10" fill="hold" grpId="0" nodeType="withEffect">
+                                  <p:stCondLst>
+                                    <p:cond delay="0"/>
+                                  </p:stCondLst>
+                                  <p:childTnLst>
+                                    <p:set>
+                                      <p:cBhvr>
+                                        <p:cTn id="27" dur="1" fill="hold">
+                                          <p:stCondLst>
+                                            <p:cond delay="0"/>
+                                          </p:stCondLst>
+                                        </p:cTn>
+                                        <p:tgtEl>
+                                          <p:spTgt spid="6"/>
+                                        </p:tgtEl>
+                                        <p:attrNameLst>
+                                          <p:attrName>style.visibility</p:attrName>
+                                        </p:attrNameLst>
+                                      </p:cBhvr>
+                                      <p:to>
+                                        <p:strVal val="visible"/>
+                                      </p:to>
+                                    </p:set>
+                                    <p:animEffect transition="in" filter="randombar(horizontal)">
+                                      <p:cBhvr>
+                                        <p:cTn id="28" dur="500"/>
+                                        <p:tgtEl>
+                                          <p:spTgt spid="6"/>
+                                        </p:tgtEl>
+                                      </p:cBhvr>
+                                    </p:animEffect>
+                                  </p:childTnLst>
+                                </p:cTn>
+                              </p:par>
+                            </p:childTnLst>
+                          </p:cTn>
+                        </p:par>
+                      </p:childTnLst>
+                    </p:cTn>
+                  </p:par>
+                </p:childTnLst>
+              </p:cTn>
+              <p:prevCondLst>
+                <p:cond evt="onPrev" delay="0">
+                  <p:tgtEl>
+                    <p:sldTgt/>
+                  </p:tgtEl>
+                </p:cond>
+              </p:prevCondLst>
+              <p:nextCondLst>
+                <p:cond evt="onNext" delay="0">
+                  <p:tgtEl>
+                    <p:sldTgt/>
+                  </p:tgtEl>
+                </p:cond>
+              </p:nextCondLst>
+            </p:seq>
+          </p:childTnLst>
+        </p:cTn>
+      </p:par>
+    </p:tnLst>
+    <p:bldLst>
+      <p:bldP spid="10" grpId="0" animBg="1"/>
+      <p:bldP spid="3" grpId="0" animBg="1"/>
+      <p:bldP spid="7" grpId="0" animBg="1"/>
+      <p:bldP spid="6" grpId="0" animBg="1"/>
+      <p:bldP spid="11" grpId="0" animBg="1"/>
+      <p:bldP spid="12" grpId="0" animBg="1"/>
+      <p:bldP spid="13" grpId="0" animBg="1"/>
+    </p:bldLst>
+  </p:timing>
+</p:sld>
+</file>
+
+<file path=ppt/slides/slide11.xml><?xml version="1.0" encoding="utf-8"?>
+<p:sld xmlns:a="http://schemas.openxmlformats.org/drawingml/2006/main" xmlns:r="http://schemas.openxmlformats.org/officeDocument/2006/relationships" xmlns:p="http://schemas.openxmlformats.org/presentationml/2006/main">
+  <p:cSld>
+    <p:spTree>
+      <p:nvGrpSpPr>
+        <p:cNvPr id="1" name=""/>
+        <p:cNvGrpSpPr/>
+        <p:nvPr/>
+      </p:nvGrpSpPr>
+      <p:grpSpPr>
+        <a:xfrm>
+          <a:off x="0" y="0"/>
+          <a:ext cx="0" cy="0"/>
+          <a:chOff x="0" y="0"/>
+          <a:chExt cx="0" cy="0"/>
+        </a:xfrm>
+      </p:grpSpPr>
+      <p:pic>
+        <p:nvPicPr>
+          <p:cNvPr id="4" name="Рисунок 3">
+            <a:extLst>
+              <a:ext uri="{FF2B5EF4-FFF2-40B4-BE49-F238E27FC236}">
+                <a16:creationId xmlns:a16="http://schemas.microsoft.com/office/drawing/2014/main" id="{D1DF7A20-3022-4459-9423-43734D774FCC}"/>
+              </a:ext>
+            </a:extLst>
+          </p:cNvPr>
+          <p:cNvPicPr>
+            <a:picLocks noChangeAspect="1"/>
+          </p:cNvPicPr>
+          <p:nvPr/>
+        </p:nvPicPr>
+        <p:blipFill>
+          <a:blip r:embed="rId2"/>
+          <a:stretch>
+            <a:fillRect/>
+          </a:stretch>
+        </p:blipFill>
+        <p:spPr>
+          <a:xfrm>
+            <a:off x="0" y="1345915"/>
+            <a:ext cx="9144000" cy="1109400"/>
+          </a:xfrm>
+          <a:prstGeom prst="rect">
+            <a:avLst/>
+          </a:prstGeom>
+          <a:ln>
+            <a:noFill/>
+          </a:ln>
+          <a:effectLst>
+            <a:outerShdw blurRad="190500" algn="tl" rotWithShape="0">
+              <a:srgbClr val="000000">
+                <a:alpha val="70000"/>
+              </a:srgbClr>
+            </a:outerShdw>
+          </a:effectLst>
+        </p:spPr>
+      </p:pic>
+      <p:sp>
+        <p:nvSpPr>
+          <p:cNvPr id="10" name="TextBox 9">
+            <a:extLst>
+              <a:ext uri="{FF2B5EF4-FFF2-40B4-BE49-F238E27FC236}">
+                <a16:creationId xmlns:a16="http://schemas.microsoft.com/office/drawing/2014/main" id="{3E63BCEA-4912-4CF3-9DAF-9B83A355CB82}"/>
+              </a:ext>
+            </a:extLst>
+          </p:cNvPr>
+          <p:cNvSpPr txBox="1"/>
+          <p:nvPr/>
+        </p:nvSpPr>
+        <p:spPr>
+          <a:xfrm>
             <a:off x="4097493" y="330724"/>
             <a:ext cx="1668307" cy="307777"/>
           </a:xfrm>
@@ -8615,7 +9394,7 @@
 </p:sld>
 </file>
 
-<file path=ppt/slides/slide11.xml><?xml version="1.0" encoding="utf-8"?>
+<file path=ppt/slides/slide12.xml><?xml version="1.0" encoding="utf-8"?>
 <p:sld xmlns:a="http://schemas.openxmlformats.org/drawingml/2006/main" xmlns:r="http://schemas.openxmlformats.org/officeDocument/2006/relationships" xmlns:p="http://schemas.openxmlformats.org/presentationml/2006/main">
   <p:cSld>
     <p:spTree>
@@ -9792,7 +10571,7 @@
 </p:sld>
 </file>
 
-<file path=ppt/slides/slide12.xml><?xml version="1.0" encoding="utf-8"?>
+<file path=ppt/slides/slide13.xml><?xml version="1.0" encoding="utf-8"?>
 <p:sld xmlns:a="http://schemas.openxmlformats.org/drawingml/2006/main" xmlns:r="http://schemas.openxmlformats.org/officeDocument/2006/relationships" xmlns:p="http://schemas.openxmlformats.org/presentationml/2006/main">
   <p:cSld>
     <p:spTree>
@@ -10459,7 +11238,7 @@
 </p:sld>
 </file>
 
-<file path=ppt/slides/slide13.xml><?xml version="1.0" encoding="utf-8"?>
+<file path=ppt/slides/slide14.xml><?xml version="1.0" encoding="utf-8"?>
 <p:sld xmlns:a="http://schemas.openxmlformats.org/drawingml/2006/main" xmlns:r="http://schemas.openxmlformats.org/officeDocument/2006/relationships" xmlns:p="http://schemas.openxmlformats.org/presentationml/2006/main">
   <p:cSld>
     <p:spTree>
@@ -11119,7 +11898,7 @@
 </p:sld>
 </file>
 
-<file path=ppt/slides/slide14.xml><?xml version="1.0" encoding="utf-8"?>
+<file path=ppt/slides/slide15.xml><?xml version="1.0" encoding="utf-8"?>
 <p:sld xmlns:a="http://schemas.openxmlformats.org/drawingml/2006/main" xmlns:r="http://schemas.openxmlformats.org/officeDocument/2006/relationships" xmlns:p="http://schemas.openxmlformats.org/presentationml/2006/main">
   <p:cSld>
     <p:spTree>
@@ -11779,7 +12558,7 @@
 </p:sld>
 </file>
 
-<file path=ppt/slides/slide15.xml><?xml version="1.0" encoding="utf-8"?>
+<file path=ppt/slides/slide16.xml><?xml version="1.0" encoding="utf-8"?>
 <p:sld xmlns:a="http://schemas.openxmlformats.org/drawingml/2006/main" xmlns:r="http://schemas.openxmlformats.org/officeDocument/2006/relationships" xmlns:p="http://schemas.openxmlformats.org/presentationml/2006/main">
   <p:cSld>
     <p:spTree>
@@ -12439,7 +13218,7 @@
 </p:sld>
 </file>
 
-<file path=ppt/slides/slide16.xml><?xml version="1.0" encoding="utf-8"?>
+<file path=ppt/slides/slide17.xml><?xml version="1.0" encoding="utf-8"?>
 <p:sld xmlns:a="http://schemas.openxmlformats.org/drawingml/2006/main" xmlns:r="http://schemas.openxmlformats.org/officeDocument/2006/relationships" xmlns:p="http://schemas.openxmlformats.org/presentationml/2006/main">
   <p:cSld>
     <p:spTree>
@@ -13099,7 +13878,7 @@
 </p:sld>
 </file>
 
-<file path=ppt/slides/slide17.xml><?xml version="1.0" encoding="utf-8"?>
+<file path=ppt/slides/slide18.xml><?xml version="1.0" encoding="utf-8"?>
 <p:sld xmlns:a="http://schemas.openxmlformats.org/drawingml/2006/main" xmlns:r="http://schemas.openxmlformats.org/officeDocument/2006/relationships" xmlns:p="http://schemas.openxmlformats.org/presentationml/2006/main">
   <p:cSld>
     <p:spTree>
@@ -14630,7 +15409,7 @@
 </p:sld>
 </file>
 
-<file path=ppt/slides/slide18.xml><?xml version="1.0" encoding="utf-8"?>
+<file path=ppt/slides/slide19.xml><?xml version="1.0" encoding="utf-8"?>
 <p:sld xmlns:a="http://schemas.openxmlformats.org/drawingml/2006/main" xmlns:r="http://schemas.openxmlformats.org/officeDocument/2006/relationships" xmlns:p="http://schemas.openxmlformats.org/presentationml/2006/main">
   <p:cSld>
     <p:spTree>
@@ -16068,7 +16847,87 @@
 </p:sld>
 </file>
 
-<file path=ppt/slides/slide19.xml><?xml version="1.0" encoding="utf-8"?>
+<file path=ppt/slides/slide2.xml><?xml version="1.0" encoding="utf-8"?>
+<p:sld xmlns:a="http://schemas.openxmlformats.org/drawingml/2006/main" xmlns:r="http://schemas.openxmlformats.org/officeDocument/2006/relationships" xmlns:p="http://schemas.openxmlformats.org/presentationml/2006/main">
+  <p:cSld>
+    <p:spTree>
+      <p:nvGrpSpPr>
+        <p:cNvPr id="1" name=""/>
+        <p:cNvGrpSpPr/>
+        <p:nvPr/>
+      </p:nvGrpSpPr>
+      <p:grpSpPr>
+        <a:xfrm>
+          <a:off x="0" y="0"/>
+          <a:ext cx="0" cy="0"/>
+          <a:chOff x="0" y="0"/>
+          <a:chExt cx="0" cy="0"/>
+        </a:xfrm>
+      </p:grpSpPr>
+      <p:sp>
+        <p:nvSpPr>
+          <p:cNvPr id="2" name="Заголовок 1">
+            <a:extLst>
+              <a:ext uri="{FF2B5EF4-FFF2-40B4-BE49-F238E27FC236}">
+                <a16:creationId xmlns:a16="http://schemas.microsoft.com/office/drawing/2014/main" id="{6885018A-3D9E-470D-9AF3-F81C82B7A8CC}"/>
+              </a:ext>
+            </a:extLst>
+          </p:cNvPr>
+          <p:cNvSpPr>
+            <a:spLocks noGrp="1"/>
+          </p:cNvSpPr>
+          <p:nvPr>
+            <p:ph type="title"/>
+          </p:nvPr>
+        </p:nvSpPr>
+        <p:spPr/>
+        <p:txBody>
+          <a:bodyPr/>
+          <a:lstStyle/>
+          <a:p>
+            <a:endParaRPr lang="ru-RU" dirty="0"/>
+          </a:p>
+        </p:txBody>
+      </p:sp>
+      <p:sp>
+        <p:nvSpPr>
+          <p:cNvPr id="3" name="Текст 2">
+            <a:extLst>
+              <a:ext uri="{FF2B5EF4-FFF2-40B4-BE49-F238E27FC236}">
+                <a16:creationId xmlns:a16="http://schemas.microsoft.com/office/drawing/2014/main" id="{C2FA00B2-158C-4542-A413-B0F7282C7995}"/>
+              </a:ext>
+            </a:extLst>
+          </p:cNvPr>
+          <p:cNvSpPr>
+            <a:spLocks noGrp="1"/>
+          </p:cNvSpPr>
+          <p:nvPr>
+            <p:ph type="body" idx="1"/>
+          </p:nvPr>
+        </p:nvSpPr>
+        <p:spPr/>
+        <p:txBody>
+          <a:bodyPr/>
+          <a:lstStyle/>
+          <a:p>
+            <a:endParaRPr lang="ru-RU"/>
+          </a:p>
+        </p:txBody>
+      </p:sp>
+    </p:spTree>
+    <p:extLst>
+      <p:ext uri="{BB962C8B-B14F-4D97-AF65-F5344CB8AC3E}">
+        <p14:creationId xmlns:p14="http://schemas.microsoft.com/office/powerpoint/2010/main" val="933236606"/>
+      </p:ext>
+    </p:extLst>
+  </p:cSld>
+  <p:clrMapOvr>
+    <a:masterClrMapping/>
+  </p:clrMapOvr>
+</p:sld>
+</file>
+
+<file path=ppt/slides/slide20.xml><?xml version="1.0" encoding="utf-8"?>
 <p:sld xmlns:a="http://schemas.openxmlformats.org/drawingml/2006/main" xmlns:r="http://schemas.openxmlformats.org/officeDocument/2006/relationships" xmlns:p="http://schemas.openxmlformats.org/presentationml/2006/main">
   <p:cSld>
     <p:spTree>
@@ -16235,7 +17094,7 @@
           </a:xfrm>
           <a:prstGeom prst="bentConnector3">
             <a:avLst>
-              <a:gd name="adj1" fmla="val 50806"/>
+              <a:gd name="adj1" fmla="val 21877"/>
             </a:avLst>
           </a:prstGeom>
         </p:spPr>
@@ -16268,7 +17127,7 @@
         </p:nvSpPr>
         <p:spPr>
           <a:xfrm>
-            <a:off x="2472346" y="1080975"/>
+            <a:off x="2130269" y="1080975"/>
             <a:ext cx="4199308" cy="768096"/>
           </a:xfrm>
           <a:prstGeom prst="roundRect">
@@ -16309,7 +17168,7 @@
                   </a:schemeClr>
                 </a:solidFill>
               </a:rPr>
-              <a:t>Авто формирование кадрового </a:t>
+              <a:t>Автоматизированное формирование кадрового </a:t>
             </a:r>
             <a:r>
               <a:rPr lang="ru-RU" dirty="0" err="1">
@@ -16348,7 +17207,7 @@
         </p:nvSpPr>
         <p:spPr>
           <a:xfrm>
-            <a:off x="2472346" y="2139441"/>
+            <a:off x="2130269" y="2139441"/>
             <a:ext cx="4199308" cy="768096"/>
           </a:xfrm>
           <a:prstGeom prst="roundRect">
@@ -16389,25 +17248,8 @@
                   </a:schemeClr>
                 </a:solidFill>
               </a:rPr>
-              <a:t>Контролирование соответствие требованием </a:t>
+              <a:t>Контролирование соответствие требованием ФГОС</a:t>
             </a:r>
-            <a:r>
-              <a:rPr lang="ru-RU" dirty="0" err="1">
-                <a:solidFill>
-                  <a:schemeClr val="accent2">
-                    <a:lumMod val="50000"/>
-                  </a:schemeClr>
-                </a:solidFill>
-              </a:rPr>
-              <a:t>фгос</a:t>
-            </a:r>
-            <a:endParaRPr lang="ru-RU" dirty="0">
-              <a:solidFill>
-                <a:schemeClr val="accent2">
-                  <a:lumMod val="50000"/>
-                </a:schemeClr>
-              </a:solidFill>
-            </a:endParaRPr>
           </a:p>
         </p:txBody>
       </p:sp>
@@ -16425,7 +17267,7 @@
         </p:nvSpPr>
         <p:spPr>
           <a:xfrm>
-            <a:off x="6805022" y="2139441"/>
+            <a:off x="6818178" y="2086814"/>
             <a:ext cx="2167997" cy="768096"/>
           </a:xfrm>
           <a:prstGeom prst="roundRect">
@@ -16466,7 +17308,7 @@
                   </a:schemeClr>
                 </a:solidFill>
               </a:rPr>
-              <a:t>экспорт кадровой справки</a:t>
+              <a:t>Экспорт кадровой справки</a:t>
             </a:r>
           </a:p>
         </p:txBody>
@@ -16489,7 +17331,7 @@
         <p:spPr>
           <a:xfrm flipV="1">
             <a:off x="1254979" y="2523489"/>
-            <a:ext cx="1217367" cy="171973"/>
+            <a:ext cx="875290" cy="171973"/>
           </a:xfrm>
           <a:prstGeom prst="bentConnector3">
             <a:avLst/>
@@ -16524,7 +17366,7 @@
         </p:nvSpPr>
         <p:spPr>
           <a:xfrm>
-            <a:off x="2472346" y="3134133"/>
+            <a:off x="2130269" y="3134133"/>
             <a:ext cx="4199308" cy="768096"/>
           </a:xfrm>
           <a:prstGeom prst="roundRect">
@@ -16565,8 +17407,96 @@
                   </a:schemeClr>
                 </a:solidFill>
               </a:rPr>
-              <a:t>помощь организации планирования учебной нагрузки</a:t>
+              <a:t>Помощь организации планирования учебной нагрузки</a:t>
             </a:r>
+          </a:p>
+        </p:txBody>
+      </p:sp>
+      <p:cxnSp>
+        <p:nvCxnSpPr>
+          <p:cNvPr id="16" name="Соединитель: уступ 15">
+            <a:extLst>
+              <a:ext uri="{FF2B5EF4-FFF2-40B4-BE49-F238E27FC236}">
+                <a16:creationId xmlns:a16="http://schemas.microsoft.com/office/drawing/2014/main" id="{5CAEBDC0-C646-4941-B25D-FC7A124253CB}"/>
+              </a:ext>
+            </a:extLst>
+          </p:cNvPr>
+          <p:cNvCxnSpPr>
+            <a:cxnSpLocks/>
+            <a:endCxn id="13" idx="1"/>
+          </p:cNvCxnSpPr>
+          <p:nvPr/>
+        </p:nvCxnSpPr>
+        <p:spPr>
+          <a:xfrm>
+            <a:off x="1254979" y="2693562"/>
+            <a:ext cx="875290" cy="824619"/>
+          </a:xfrm>
+          <a:prstGeom prst="bentConnector3">
+            <a:avLst>
+              <a:gd name="adj1" fmla="val 50000"/>
+            </a:avLst>
+          </a:prstGeom>
+        </p:spPr>
+        <p:style>
+          <a:lnRef idx="1">
+            <a:schemeClr val="accent1"/>
+          </a:lnRef>
+          <a:fillRef idx="0">
+            <a:schemeClr val="accent1"/>
+          </a:fillRef>
+          <a:effectRef idx="0">
+            <a:schemeClr val="accent1"/>
+          </a:effectRef>
+          <a:fontRef idx="minor">
+            <a:schemeClr val="tx1"/>
+          </a:fontRef>
+        </p:style>
+      </p:cxnSp>
+      <p:sp>
+        <p:nvSpPr>
+          <p:cNvPr id="7" name="Правая фигурная скобка 6">
+            <a:extLst>
+              <a:ext uri="{FF2B5EF4-FFF2-40B4-BE49-F238E27FC236}">
+                <a16:creationId xmlns:a16="http://schemas.microsoft.com/office/drawing/2014/main" id="{E6326281-D150-46E0-976D-0E84D444E0E7}"/>
+              </a:ext>
+            </a:extLst>
+          </p:cNvPr>
+          <p:cNvSpPr/>
+          <p:nvPr/>
+        </p:nvSpPr>
+        <p:spPr>
+          <a:xfrm>
+            <a:off x="6329576" y="1080975"/>
+            <a:ext cx="475445" cy="2821254"/>
+          </a:xfrm>
+          <a:prstGeom prst="rightBrace">
+            <a:avLst>
+              <a:gd name="adj1" fmla="val 8333"/>
+              <a:gd name="adj2" fmla="val 49534"/>
+            </a:avLst>
+          </a:prstGeom>
+        </p:spPr>
+        <p:style>
+          <a:lnRef idx="1">
+            <a:schemeClr val="accent1"/>
+          </a:lnRef>
+          <a:fillRef idx="0">
+            <a:schemeClr val="accent1"/>
+          </a:fillRef>
+          <a:effectRef idx="0">
+            <a:schemeClr val="accent1"/>
+          </a:effectRef>
+          <a:fontRef idx="minor">
+            <a:schemeClr val="tx1"/>
+          </a:fontRef>
+        </p:style>
+        <p:txBody>
+          <a:bodyPr rtlCol="0" anchor="ctr"/>
+          <a:lstStyle/>
+          <a:p>
+            <a:pPr algn="ctr"/>
+            <a:endParaRPr lang="ru-RU"/>
           </a:p>
         </p:txBody>
       </p:sp>
@@ -16822,6 +17752,59 @@
                                         <p:cTn id="24" dur="500"/>
                                         <p:tgtEl>
                                           <p:spTgt spid="13"/>
+                                        </p:tgtEl>
+                                      </p:cBhvr>
+                                    </p:animEffect>
+                                  </p:childTnLst>
+                                </p:cTn>
+                              </p:par>
+                            </p:childTnLst>
+                          </p:cTn>
+                        </p:par>
+                      </p:childTnLst>
+                    </p:cTn>
+                  </p:par>
+                  <p:par>
+                    <p:cTn id="25" fill="hold">
+                      <p:stCondLst>
+                        <p:cond delay="indefinite"/>
+                      </p:stCondLst>
+                      <p:childTnLst>
+                        <p:par>
+                          <p:cTn id="26" fill="hold">
+                            <p:stCondLst>
+                              <p:cond delay="0"/>
+                            </p:stCondLst>
+                            <p:childTnLst>
+                              <p:par>
+                                <p:cTn id="27" presetID="14" presetClass="entr" presetSubtype="10" fill="hold" nodeType="clickEffect">
+                                  <p:stCondLst>
+                                    <p:cond delay="0"/>
+                                  </p:stCondLst>
+                                  <p:childTnLst>
+                                    <p:set>
+                                      <p:cBhvr>
+                                        <p:cTn id="28" dur="1" fill="hold">
+                                          <p:stCondLst>
+                                            <p:cond delay="0"/>
+                                          </p:stCondLst>
+                                        </p:cTn>
+                                        <p:tgtEl>
+                                          <p:spTgt spid="16"/>
+                                        </p:tgtEl>
+                                        <p:attrNameLst>
+                                          <p:attrName>style.visibility</p:attrName>
+                                        </p:attrNameLst>
+                                      </p:cBhvr>
+                                      <p:to>
+                                        <p:strVal val="visible"/>
+                                      </p:to>
+                                    </p:set>
+                                    <p:animEffect transition="in" filter="randombar(horizontal)">
+                                      <p:cBhvr>
+                                        <p:cTn id="29" dur="500"/>
+                                        <p:tgtEl>
+                                          <p:spTgt spid="16"/>
                                         </p:tgtEl>
                                       </p:cBhvr>
                                     </p:animEffect>
@@ -16865,181 +17848,7 @@
 </p:sld>
 </file>
 
-<file path=ppt/slides/slide2.xml><?xml version="1.0" encoding="utf-8"?>
-<p:sld xmlns:a="http://schemas.openxmlformats.org/drawingml/2006/main" xmlns:r="http://schemas.openxmlformats.org/officeDocument/2006/relationships" xmlns:p="http://schemas.openxmlformats.org/presentationml/2006/main">
-  <p:cSld>
-    <p:spTree>
-      <p:nvGrpSpPr>
-        <p:cNvPr id="1" name=""/>
-        <p:cNvGrpSpPr/>
-        <p:nvPr/>
-      </p:nvGrpSpPr>
-      <p:grpSpPr>
-        <a:xfrm>
-          <a:off x="0" y="0"/>
-          <a:ext cx="0" cy="0"/>
-          <a:chOff x="0" y="0"/>
-          <a:chExt cx="0" cy="0"/>
-        </a:xfrm>
-      </p:grpSpPr>
-      <p:sp>
-        <p:nvSpPr>
-          <p:cNvPr id="2" name="Заголовок 1">
-            <a:extLst>
-              <a:ext uri="{FF2B5EF4-FFF2-40B4-BE49-F238E27FC236}">
-                <a16:creationId xmlns:a16="http://schemas.microsoft.com/office/drawing/2014/main" id="{19288ED0-19A6-4175-A6A0-9229F30AFA86}"/>
-              </a:ext>
-            </a:extLst>
-          </p:cNvPr>
-          <p:cNvSpPr>
-            <a:spLocks noGrp="1"/>
-          </p:cNvSpPr>
-          <p:nvPr>
-            <p:ph type="title"/>
-          </p:nvPr>
-        </p:nvSpPr>
-        <p:spPr/>
-        <p:txBody>
-          <a:bodyPr/>
-          <a:lstStyle/>
-          <a:p>
-            <a:r>
-              <a:rPr lang="ru-RU" dirty="0"/>
-              <a:t>Требования ФГОС</a:t>
-            </a:r>
-          </a:p>
-        </p:txBody>
-      </p:sp>
-      <p:pic>
-        <p:nvPicPr>
-          <p:cNvPr id="3" name="Рисунок 2">
-            <a:extLst>
-              <a:ext uri="{FF2B5EF4-FFF2-40B4-BE49-F238E27FC236}">
-                <a16:creationId xmlns:a16="http://schemas.microsoft.com/office/drawing/2014/main" id="{4B29DB9E-3A79-4A92-BB66-F7BF8799D3B8}"/>
-              </a:ext>
-            </a:extLst>
-          </p:cNvPr>
-          <p:cNvPicPr>
-            <a:picLocks noChangeAspect="1"/>
-          </p:cNvPicPr>
-          <p:nvPr/>
-        </p:nvPicPr>
-        <p:blipFill>
-          <a:blip r:embed="rId2"/>
-          <a:stretch>
-            <a:fillRect/>
-          </a:stretch>
-        </p:blipFill>
-        <p:spPr>
-          <a:xfrm>
-            <a:off x="1571195" y="982984"/>
-            <a:ext cx="6004355" cy="2881347"/>
-          </a:xfrm>
-          <a:prstGeom prst="rect">
-            <a:avLst/>
-          </a:prstGeom>
-        </p:spPr>
-      </p:pic>
-      <p:cxnSp>
-        <p:nvCxnSpPr>
-          <p:cNvPr id="6" name="Прямая соединительная линия 5">
-            <a:extLst>
-              <a:ext uri="{FF2B5EF4-FFF2-40B4-BE49-F238E27FC236}">
-                <a16:creationId xmlns:a16="http://schemas.microsoft.com/office/drawing/2014/main" id="{AD7D0527-A616-4323-9CDD-03031874F765}"/>
-              </a:ext>
-            </a:extLst>
-          </p:cNvPr>
-          <p:cNvCxnSpPr>
-            <a:cxnSpLocks/>
-          </p:cNvCxnSpPr>
-          <p:nvPr/>
-        </p:nvCxnSpPr>
-        <p:spPr>
-          <a:xfrm>
-            <a:off x="3162300" y="2838450"/>
-            <a:ext cx="4210050" cy="0"/>
-          </a:xfrm>
-          <a:prstGeom prst="line">
-            <a:avLst/>
-          </a:prstGeom>
-          <a:ln w="28575">
-            <a:solidFill>
-              <a:srgbClr val="00B050"/>
-            </a:solidFill>
-          </a:ln>
-        </p:spPr>
-        <p:style>
-          <a:lnRef idx="1">
-            <a:schemeClr val="accent1"/>
-          </a:lnRef>
-          <a:fillRef idx="0">
-            <a:schemeClr val="accent1"/>
-          </a:fillRef>
-          <a:effectRef idx="0">
-            <a:schemeClr val="accent1"/>
-          </a:effectRef>
-          <a:fontRef idx="minor">
-            <a:schemeClr val="tx1"/>
-          </a:fontRef>
-        </p:style>
-      </p:cxnSp>
-      <p:cxnSp>
-        <p:nvCxnSpPr>
-          <p:cNvPr id="7" name="Прямая соединительная линия 6">
-            <a:extLst>
-              <a:ext uri="{FF2B5EF4-FFF2-40B4-BE49-F238E27FC236}">
-                <a16:creationId xmlns:a16="http://schemas.microsoft.com/office/drawing/2014/main" id="{1ECF0EAB-492A-42DD-9D3A-0EC6D5D89FDE}"/>
-              </a:ext>
-            </a:extLst>
-          </p:cNvPr>
-          <p:cNvCxnSpPr>
-            <a:cxnSpLocks/>
-          </p:cNvCxnSpPr>
-          <p:nvPr/>
-        </p:nvCxnSpPr>
-        <p:spPr>
-          <a:xfrm>
-            <a:off x="2286000" y="3155950"/>
-            <a:ext cx="4413250" cy="0"/>
-          </a:xfrm>
-          <a:prstGeom prst="line">
-            <a:avLst/>
-          </a:prstGeom>
-          <a:ln w="28575">
-            <a:solidFill>
-              <a:srgbClr val="00B050"/>
-            </a:solidFill>
-          </a:ln>
-        </p:spPr>
-        <p:style>
-          <a:lnRef idx="1">
-            <a:schemeClr val="accent1"/>
-          </a:lnRef>
-          <a:fillRef idx="0">
-            <a:schemeClr val="accent1"/>
-          </a:fillRef>
-          <a:effectRef idx="0">
-            <a:schemeClr val="accent1"/>
-          </a:effectRef>
-          <a:fontRef idx="minor">
-            <a:schemeClr val="tx1"/>
-          </a:fontRef>
-        </p:style>
-      </p:cxnSp>
-    </p:spTree>
-    <p:extLst>
-      <p:ext uri="{BB962C8B-B14F-4D97-AF65-F5344CB8AC3E}">
-        <p14:creationId xmlns:p14="http://schemas.microsoft.com/office/powerpoint/2010/main" val="1893572291"/>
-      </p:ext>
-    </p:extLst>
-  </p:cSld>
-  <p:clrMapOvr>
-    <a:masterClrMapping/>
-  </p:clrMapOvr>
-</p:sld>
-</file>
-
-<file path=ppt/slides/slide20.xml><?xml version="1.0" encoding="utf-8"?>
+<file path=ppt/slides/slide21.xml><?xml version="1.0" encoding="utf-8"?>
 <p:sld xmlns:a="http://schemas.openxmlformats.org/drawingml/2006/main" xmlns:r="http://schemas.openxmlformats.org/officeDocument/2006/relationships" xmlns:p="http://schemas.openxmlformats.org/presentationml/2006/main">
   <p:cSld>
     <p:spTree>
@@ -18721,7 +19530,7 @@
 </p:sld>
 </file>
 
-<file path=ppt/slides/slide21.xml><?xml version="1.0" encoding="utf-8"?>
+<file path=ppt/slides/slide22.xml><?xml version="1.0" encoding="utf-8"?>
 <p:sld xmlns:a="http://schemas.openxmlformats.org/drawingml/2006/main" xmlns:r="http://schemas.openxmlformats.org/officeDocument/2006/relationships" xmlns:p="http://schemas.openxmlformats.org/presentationml/2006/main">
   <p:cSld>
     <p:spTree>
@@ -20197,7 +21006,7 @@
 </p:sld>
 </file>
 
-<file path=ppt/slides/slide22.xml><?xml version="1.0" encoding="utf-8"?>
+<file path=ppt/slides/slide23.xml><?xml version="1.0" encoding="utf-8"?>
 <p:sld xmlns:a="http://schemas.openxmlformats.org/drawingml/2006/main" xmlns:r="http://schemas.openxmlformats.org/officeDocument/2006/relationships" xmlns:p="http://schemas.openxmlformats.org/presentationml/2006/main">
   <p:cSld>
     <p:spTree>
@@ -22128,7 +22937,7 @@
 </p:sld>
 </file>
 
-<file path=ppt/slides/slide23.xml><?xml version="1.0" encoding="utf-8"?>
+<file path=ppt/slides/slide24.xml><?xml version="1.0" encoding="utf-8"?>
 <p:sld xmlns:a="http://schemas.openxmlformats.org/drawingml/2006/main" xmlns:r="http://schemas.openxmlformats.org/officeDocument/2006/relationships" xmlns:p="http://schemas.openxmlformats.org/presentationml/2006/main">
   <p:cSld>
     <p:spTree>
@@ -23443,7 +24252,7 @@
 </p:sld>
 </file>
 
-<file path=ppt/slides/slide24.xml><?xml version="1.0" encoding="utf-8"?>
+<file path=ppt/slides/slide25.xml><?xml version="1.0" encoding="utf-8"?>
 <p:sld xmlns:a="http://schemas.openxmlformats.org/drawingml/2006/main" xmlns:r="http://schemas.openxmlformats.org/officeDocument/2006/relationships" xmlns:p="http://schemas.openxmlformats.org/presentationml/2006/main">
   <p:cSld>
     <p:spTree>
@@ -23526,7 +24335,7 @@
 </p:sld>
 </file>
 
-<file path=ppt/slides/slide25.xml><?xml version="1.0" encoding="utf-8"?>
+<file path=ppt/slides/slide26.xml><?xml version="1.0" encoding="utf-8"?>
 <p:sld xmlns:a="http://schemas.openxmlformats.org/drawingml/2006/main" xmlns:r="http://schemas.openxmlformats.org/officeDocument/2006/relationships" xmlns:p="http://schemas.openxmlformats.org/presentationml/2006/main">
   <p:cSld>
     <p:spTree>
@@ -23609,7 +24418,7 @@
 </p:sld>
 </file>
 
-<file path=ppt/slides/slide26.xml><?xml version="1.0" encoding="utf-8"?>
+<file path=ppt/slides/slide27.xml><?xml version="1.0" encoding="utf-8"?>
 <p:sld xmlns:a="http://schemas.openxmlformats.org/drawingml/2006/main" xmlns:r="http://schemas.openxmlformats.org/officeDocument/2006/relationships" xmlns:p="http://schemas.openxmlformats.org/presentationml/2006/main">
   <p:cSld>
     <p:spTree>
@@ -24981,7 +25790,7 @@
 </p:sld>
 </file>
 
-<file path=ppt/slides/slide27.xml><?xml version="1.0" encoding="utf-8"?>
+<file path=ppt/slides/slide28.xml><?xml version="1.0" encoding="utf-8"?>
 <p:sld xmlns:a="http://schemas.openxmlformats.org/drawingml/2006/main" xmlns:r="http://schemas.openxmlformats.org/officeDocument/2006/relationships" xmlns:p="http://schemas.openxmlformats.org/presentationml/2006/main">
   <p:cSld>
     <p:spTree>
@@ -25047,7 +25856,7 @@
 </p:sld>
 </file>
 
-<file path=ppt/slides/slide28.xml><?xml version="1.0" encoding="utf-8"?>
+<file path=ppt/slides/slide29.xml><?xml version="1.0" encoding="utf-8"?>
 <p:sld xmlns:a="http://schemas.openxmlformats.org/drawingml/2006/main" xmlns:r="http://schemas.openxmlformats.org/officeDocument/2006/relationships" xmlns:p="http://schemas.openxmlformats.org/presentationml/2006/main">
   <p:cSld>
     <p:spTree>
@@ -25594,7 +26403,181 @@
 </p:sld>
 </file>
 
-<file path=ppt/slides/slide29.xml><?xml version="1.0" encoding="utf-8"?>
+<file path=ppt/slides/slide3.xml><?xml version="1.0" encoding="utf-8"?>
+<p:sld xmlns:a="http://schemas.openxmlformats.org/drawingml/2006/main" xmlns:r="http://schemas.openxmlformats.org/officeDocument/2006/relationships" xmlns:p="http://schemas.openxmlformats.org/presentationml/2006/main">
+  <p:cSld>
+    <p:spTree>
+      <p:nvGrpSpPr>
+        <p:cNvPr id="1" name=""/>
+        <p:cNvGrpSpPr/>
+        <p:nvPr/>
+      </p:nvGrpSpPr>
+      <p:grpSpPr>
+        <a:xfrm>
+          <a:off x="0" y="0"/>
+          <a:ext cx="0" cy="0"/>
+          <a:chOff x="0" y="0"/>
+          <a:chExt cx="0" cy="0"/>
+        </a:xfrm>
+      </p:grpSpPr>
+      <p:sp>
+        <p:nvSpPr>
+          <p:cNvPr id="2" name="Заголовок 1">
+            <a:extLst>
+              <a:ext uri="{FF2B5EF4-FFF2-40B4-BE49-F238E27FC236}">
+                <a16:creationId xmlns:a16="http://schemas.microsoft.com/office/drawing/2014/main" id="{19288ED0-19A6-4175-A6A0-9229F30AFA86}"/>
+              </a:ext>
+            </a:extLst>
+          </p:cNvPr>
+          <p:cNvSpPr>
+            <a:spLocks noGrp="1"/>
+          </p:cNvSpPr>
+          <p:nvPr>
+            <p:ph type="title"/>
+          </p:nvPr>
+        </p:nvSpPr>
+        <p:spPr/>
+        <p:txBody>
+          <a:bodyPr/>
+          <a:lstStyle/>
+          <a:p>
+            <a:r>
+              <a:rPr lang="ru-RU" dirty="0"/>
+              <a:t>Требования ФГОС</a:t>
+            </a:r>
+          </a:p>
+        </p:txBody>
+      </p:sp>
+      <p:pic>
+        <p:nvPicPr>
+          <p:cNvPr id="3" name="Рисунок 2">
+            <a:extLst>
+              <a:ext uri="{FF2B5EF4-FFF2-40B4-BE49-F238E27FC236}">
+                <a16:creationId xmlns:a16="http://schemas.microsoft.com/office/drawing/2014/main" id="{4B29DB9E-3A79-4A92-BB66-F7BF8799D3B8}"/>
+              </a:ext>
+            </a:extLst>
+          </p:cNvPr>
+          <p:cNvPicPr>
+            <a:picLocks noChangeAspect="1"/>
+          </p:cNvPicPr>
+          <p:nvPr/>
+        </p:nvPicPr>
+        <p:blipFill>
+          <a:blip r:embed="rId2"/>
+          <a:stretch>
+            <a:fillRect/>
+          </a:stretch>
+        </p:blipFill>
+        <p:spPr>
+          <a:xfrm>
+            <a:off x="1571195" y="982984"/>
+            <a:ext cx="6004355" cy="2881347"/>
+          </a:xfrm>
+          <a:prstGeom prst="rect">
+            <a:avLst/>
+          </a:prstGeom>
+        </p:spPr>
+      </p:pic>
+      <p:cxnSp>
+        <p:nvCxnSpPr>
+          <p:cNvPr id="6" name="Прямая соединительная линия 5">
+            <a:extLst>
+              <a:ext uri="{FF2B5EF4-FFF2-40B4-BE49-F238E27FC236}">
+                <a16:creationId xmlns:a16="http://schemas.microsoft.com/office/drawing/2014/main" id="{AD7D0527-A616-4323-9CDD-03031874F765}"/>
+              </a:ext>
+            </a:extLst>
+          </p:cNvPr>
+          <p:cNvCxnSpPr>
+            <a:cxnSpLocks/>
+          </p:cNvCxnSpPr>
+          <p:nvPr/>
+        </p:nvCxnSpPr>
+        <p:spPr>
+          <a:xfrm>
+            <a:off x="3162300" y="2838450"/>
+            <a:ext cx="4210050" cy="0"/>
+          </a:xfrm>
+          <a:prstGeom prst="line">
+            <a:avLst/>
+          </a:prstGeom>
+          <a:ln w="28575">
+            <a:solidFill>
+              <a:srgbClr val="00B050"/>
+            </a:solidFill>
+          </a:ln>
+        </p:spPr>
+        <p:style>
+          <a:lnRef idx="1">
+            <a:schemeClr val="accent1"/>
+          </a:lnRef>
+          <a:fillRef idx="0">
+            <a:schemeClr val="accent1"/>
+          </a:fillRef>
+          <a:effectRef idx="0">
+            <a:schemeClr val="accent1"/>
+          </a:effectRef>
+          <a:fontRef idx="minor">
+            <a:schemeClr val="tx1"/>
+          </a:fontRef>
+        </p:style>
+      </p:cxnSp>
+      <p:cxnSp>
+        <p:nvCxnSpPr>
+          <p:cNvPr id="7" name="Прямая соединительная линия 6">
+            <a:extLst>
+              <a:ext uri="{FF2B5EF4-FFF2-40B4-BE49-F238E27FC236}">
+                <a16:creationId xmlns:a16="http://schemas.microsoft.com/office/drawing/2014/main" id="{1ECF0EAB-492A-42DD-9D3A-0EC6D5D89FDE}"/>
+              </a:ext>
+            </a:extLst>
+          </p:cNvPr>
+          <p:cNvCxnSpPr>
+            <a:cxnSpLocks/>
+          </p:cNvCxnSpPr>
+          <p:nvPr/>
+        </p:nvCxnSpPr>
+        <p:spPr>
+          <a:xfrm>
+            <a:off x="2286000" y="3155950"/>
+            <a:ext cx="4413250" cy="0"/>
+          </a:xfrm>
+          <a:prstGeom prst="line">
+            <a:avLst/>
+          </a:prstGeom>
+          <a:ln w="28575">
+            <a:solidFill>
+              <a:srgbClr val="00B050"/>
+            </a:solidFill>
+          </a:ln>
+        </p:spPr>
+        <p:style>
+          <a:lnRef idx="1">
+            <a:schemeClr val="accent1"/>
+          </a:lnRef>
+          <a:fillRef idx="0">
+            <a:schemeClr val="accent1"/>
+          </a:fillRef>
+          <a:effectRef idx="0">
+            <a:schemeClr val="accent1"/>
+          </a:effectRef>
+          <a:fontRef idx="minor">
+            <a:schemeClr val="tx1"/>
+          </a:fontRef>
+        </p:style>
+      </p:cxnSp>
+    </p:spTree>
+    <p:extLst>
+      <p:ext uri="{BB962C8B-B14F-4D97-AF65-F5344CB8AC3E}">
+        <p14:creationId xmlns:p14="http://schemas.microsoft.com/office/powerpoint/2010/main" val="1893572291"/>
+      </p:ext>
+    </p:extLst>
+  </p:cSld>
+  <p:clrMapOvr>
+    <a:masterClrMapping/>
+  </p:clrMapOvr>
+</p:sld>
+</file>
+
+<file path=ppt/slides/slide30.xml><?xml version="1.0" encoding="utf-8"?>
 <p:sld xmlns:a="http://schemas.openxmlformats.org/drawingml/2006/main" xmlns:r="http://schemas.openxmlformats.org/officeDocument/2006/relationships" xmlns:p="http://schemas.openxmlformats.org/presentationml/2006/main">
   <p:cSld>
     <p:spTree>
@@ -25678,7 +26661,798 @@
 </p:sld>
 </file>
 
-<file path=ppt/slides/slide3.xml><?xml version="1.0" encoding="utf-8"?>
+<file path=ppt/slides/slide31.xml><?xml version="1.0" encoding="utf-8"?>
+<p:sld xmlns:a="http://schemas.openxmlformats.org/drawingml/2006/main" xmlns:r="http://schemas.openxmlformats.org/officeDocument/2006/relationships" xmlns:p="http://schemas.openxmlformats.org/presentationml/2006/main">
+  <p:cSld>
+    <p:spTree>
+      <p:nvGrpSpPr>
+        <p:cNvPr id="1" name=""/>
+        <p:cNvGrpSpPr/>
+        <p:nvPr/>
+      </p:nvGrpSpPr>
+      <p:grpSpPr>
+        <a:xfrm>
+          <a:off x="0" y="0"/>
+          <a:ext cx="0" cy="0"/>
+          <a:chOff x="0" y="0"/>
+          <a:chExt cx="0" cy="0"/>
+        </a:xfrm>
+      </p:grpSpPr>
+      <p:pic>
+        <p:nvPicPr>
+          <p:cNvPr id="1026" name="Picture 2" descr="Excel 365 Последняя версия 2021 — Бесплатная загрузка и Oтзывы">
+            <a:extLst>
+              <a:ext uri="{FF2B5EF4-FFF2-40B4-BE49-F238E27FC236}">
+                <a16:creationId xmlns:a16="http://schemas.microsoft.com/office/drawing/2014/main" id="{2E8C21C5-4AF0-4815-95F5-11D71C53E289}"/>
+              </a:ext>
+            </a:extLst>
+          </p:cNvPr>
+          <p:cNvPicPr>
+            <a:picLocks noChangeAspect="1" noChangeArrowheads="1"/>
+          </p:cNvPicPr>
+          <p:nvPr/>
+        </p:nvPicPr>
+        <p:blipFill>
+          <a:blip r:embed="rId2">
+            <a:extLst>
+              <a:ext uri="{28A0092B-C50C-407E-A947-70E740481C1C}">
+                <a14:useLocalDpi xmlns:a14="http://schemas.microsoft.com/office/drawing/2010/main" val="0"/>
+              </a:ext>
+            </a:extLst>
+          </a:blip>
+          <a:srcRect/>
+          <a:stretch>
+            <a:fillRect/>
+          </a:stretch>
+        </p:blipFill>
+        <p:spPr bwMode="auto">
+          <a:xfrm>
+            <a:off x="161511" y="1277185"/>
+            <a:ext cx="1092789" cy="958506"/>
+          </a:xfrm>
+          <a:prstGeom prst="rect">
+            <a:avLst/>
+          </a:prstGeom>
+          <a:noFill/>
+          <a:extLst>
+            <a:ext uri="{909E8E84-426E-40DD-AFC4-6F175D3DCCD1}">
+              <a14:hiddenFill xmlns:a14="http://schemas.microsoft.com/office/drawing/2010/main">
+                <a:solidFill>
+                  <a:srgbClr val="FFFFFF"/>
+                </a:solidFill>
+              </a14:hiddenFill>
+            </a:ext>
+          </a:extLst>
+        </p:spPr>
+      </p:pic>
+      <p:sp>
+        <p:nvSpPr>
+          <p:cNvPr id="5" name="TextBox 4">
+            <a:extLst>
+              <a:ext uri="{FF2B5EF4-FFF2-40B4-BE49-F238E27FC236}">
+                <a16:creationId xmlns:a16="http://schemas.microsoft.com/office/drawing/2014/main" id="{CA6D77EA-08E9-4B54-8C6E-88F2926A0B9D}"/>
+              </a:ext>
+            </a:extLst>
+          </p:cNvPr>
+          <p:cNvSpPr txBox="1"/>
+          <p:nvPr/>
+        </p:nvSpPr>
+        <p:spPr>
+          <a:xfrm>
+            <a:off x="84091" y="2081802"/>
+            <a:ext cx="1374094" cy="307777"/>
+          </a:xfrm>
+          <a:prstGeom prst="rect">
+            <a:avLst/>
+          </a:prstGeom>
+          <a:solidFill>
+            <a:schemeClr val="accent2">
+              <a:lumMod val="20000"/>
+              <a:lumOff val="80000"/>
+            </a:schemeClr>
+          </a:solidFill>
+        </p:spPr>
+        <p:txBody>
+          <a:bodyPr wrap="none" rtlCol="0">
+            <a:spAutoFit/>
+          </a:bodyPr>
+          <a:lstStyle/>
+          <a:p>
+            <a:r>
+              <a:rPr lang="ru-RU" dirty="0"/>
+              <a:t>Учебный план</a:t>
+            </a:r>
+          </a:p>
+        </p:txBody>
+      </p:sp>
+      <p:sp>
+        <p:nvSpPr>
+          <p:cNvPr id="8" name="Прямоугольник: скругленные углы 7">
+            <a:extLst>
+              <a:ext uri="{FF2B5EF4-FFF2-40B4-BE49-F238E27FC236}">
+                <a16:creationId xmlns:a16="http://schemas.microsoft.com/office/drawing/2014/main" id="{9D678DEF-B57A-47EC-9532-DBA2A3D5164E}"/>
+              </a:ext>
+            </a:extLst>
+          </p:cNvPr>
+          <p:cNvSpPr/>
+          <p:nvPr/>
+        </p:nvSpPr>
+        <p:spPr>
+          <a:xfrm>
+            <a:off x="2205584" y="529039"/>
+            <a:ext cx="4842164" cy="3471828"/>
+          </a:xfrm>
+          <a:prstGeom prst="roundRect">
+            <a:avLst/>
+          </a:prstGeom>
+        </p:spPr>
+        <p:style>
+          <a:lnRef idx="2">
+            <a:schemeClr val="accent1">
+              <a:shade val="50000"/>
+            </a:schemeClr>
+          </a:lnRef>
+          <a:fillRef idx="1">
+            <a:schemeClr val="accent1"/>
+          </a:fillRef>
+          <a:effectRef idx="0">
+            <a:schemeClr val="accent1"/>
+          </a:effectRef>
+          <a:fontRef idx="minor">
+            <a:schemeClr val="lt1"/>
+          </a:fontRef>
+        </p:style>
+        <p:txBody>
+          <a:bodyPr rtlCol="0" anchor="ctr"/>
+          <a:lstStyle/>
+          <a:p>
+            <a:pPr algn="ctr"/>
+            <a:endParaRPr lang="ru-RU" dirty="0"/>
+          </a:p>
+        </p:txBody>
+      </p:sp>
+      <p:sp>
+        <p:nvSpPr>
+          <p:cNvPr id="9" name="TextBox 8">
+            <a:extLst>
+              <a:ext uri="{FF2B5EF4-FFF2-40B4-BE49-F238E27FC236}">
+                <a16:creationId xmlns:a16="http://schemas.microsoft.com/office/drawing/2014/main" id="{DB1161FB-7094-4846-B429-DE33E00564CE}"/>
+              </a:ext>
+            </a:extLst>
+          </p:cNvPr>
+          <p:cNvSpPr txBox="1"/>
+          <p:nvPr/>
+        </p:nvSpPr>
+        <p:spPr>
+          <a:xfrm>
+            <a:off x="4057754" y="529038"/>
+            <a:ext cx="909223" cy="307777"/>
+          </a:xfrm>
+          <a:prstGeom prst="rect">
+            <a:avLst/>
+          </a:prstGeom>
+          <a:noFill/>
+        </p:spPr>
+        <p:txBody>
+          <a:bodyPr wrap="none" rtlCol="0">
+            <a:spAutoFit/>
+          </a:bodyPr>
+          <a:lstStyle/>
+          <a:p>
+            <a:r>
+              <a:rPr lang="ru-RU" dirty="0">
+                <a:solidFill>
+                  <a:schemeClr val="bg1">
+                    <a:lumMod val="95000"/>
+                  </a:schemeClr>
+                </a:solidFill>
+              </a:rPr>
+              <a:t>Система</a:t>
+            </a:r>
+          </a:p>
+        </p:txBody>
+      </p:sp>
+      <p:sp>
+        <p:nvSpPr>
+          <p:cNvPr id="10" name="Овал 9">
+            <a:extLst>
+              <a:ext uri="{FF2B5EF4-FFF2-40B4-BE49-F238E27FC236}">
+                <a16:creationId xmlns:a16="http://schemas.microsoft.com/office/drawing/2014/main" id="{42CE30A9-6340-42E2-84C1-87382007D7FA}"/>
+              </a:ext>
+            </a:extLst>
+          </p:cNvPr>
+          <p:cNvSpPr/>
+          <p:nvPr/>
+        </p:nvSpPr>
+        <p:spPr>
+          <a:xfrm>
+            <a:off x="2454966" y="1196853"/>
+            <a:ext cx="2396836" cy="574963"/>
+          </a:xfrm>
+          <a:prstGeom prst="ellipse">
+            <a:avLst/>
+          </a:prstGeom>
+        </p:spPr>
+        <p:style>
+          <a:lnRef idx="2">
+            <a:schemeClr val="accent6">
+              <a:shade val="50000"/>
+            </a:schemeClr>
+          </a:lnRef>
+          <a:fillRef idx="1">
+            <a:schemeClr val="accent6"/>
+          </a:fillRef>
+          <a:effectRef idx="0">
+            <a:schemeClr val="accent6"/>
+          </a:effectRef>
+          <a:fontRef idx="minor">
+            <a:schemeClr val="lt1"/>
+          </a:fontRef>
+        </p:style>
+        <p:txBody>
+          <a:bodyPr rtlCol="0" anchor="ctr"/>
+          <a:lstStyle/>
+          <a:p>
+            <a:pPr algn="ctr"/>
+            <a:r>
+              <a:rPr lang="ru-RU" sz="1100" dirty="0"/>
+              <a:t>Обработка учебного плана</a:t>
+            </a:r>
+          </a:p>
+        </p:txBody>
+      </p:sp>
+      <p:cxnSp>
+        <p:nvCxnSpPr>
+          <p:cNvPr id="7" name="Прямая со стрелкой 6">
+            <a:extLst>
+              <a:ext uri="{FF2B5EF4-FFF2-40B4-BE49-F238E27FC236}">
+                <a16:creationId xmlns:a16="http://schemas.microsoft.com/office/drawing/2014/main" id="{4C10DE2C-08A5-48BF-9FB7-67ECD9E2B545}"/>
+              </a:ext>
+            </a:extLst>
+          </p:cNvPr>
+          <p:cNvCxnSpPr>
+            <a:cxnSpLocks/>
+            <a:stCxn id="1026" idx="3"/>
+            <a:endCxn id="10" idx="2"/>
+          </p:cNvCxnSpPr>
+          <p:nvPr/>
+        </p:nvCxnSpPr>
+        <p:spPr>
+          <a:xfrm flipV="1">
+            <a:off x="1254300" y="1484335"/>
+            <a:ext cx="1200666" cy="272103"/>
+          </a:xfrm>
+          <a:prstGeom prst="straightConnector1">
+            <a:avLst/>
+          </a:prstGeom>
+          <a:ln>
+            <a:tailEnd type="triangle"/>
+          </a:ln>
+        </p:spPr>
+        <p:style>
+          <a:lnRef idx="2">
+            <a:schemeClr val="accent4"/>
+          </a:lnRef>
+          <a:fillRef idx="0">
+            <a:schemeClr val="accent4"/>
+          </a:fillRef>
+          <a:effectRef idx="1">
+            <a:schemeClr val="accent4"/>
+          </a:effectRef>
+          <a:fontRef idx="minor">
+            <a:schemeClr val="tx1"/>
+          </a:fontRef>
+        </p:style>
+      </p:cxnSp>
+      <p:pic>
+        <p:nvPicPr>
+          <p:cNvPr id="1032" name="Picture 8" descr="сотрудник бесплатно значок из News and Media Icons">
+            <a:extLst>
+              <a:ext uri="{FF2B5EF4-FFF2-40B4-BE49-F238E27FC236}">
+                <a16:creationId xmlns:a16="http://schemas.microsoft.com/office/drawing/2014/main" id="{A888FD4F-2B04-46D8-B490-BC95ABD8C868}"/>
+              </a:ext>
+            </a:extLst>
+          </p:cNvPr>
+          <p:cNvPicPr>
+            <a:picLocks noChangeAspect="1" noChangeArrowheads="1"/>
+          </p:cNvPicPr>
+          <p:nvPr/>
+        </p:nvPicPr>
+        <p:blipFill>
+          <a:blip r:embed="rId3">
+            <a:extLst>
+              <a:ext uri="{28A0092B-C50C-407E-A947-70E740481C1C}">
+                <a14:useLocalDpi xmlns:a14="http://schemas.microsoft.com/office/drawing/2010/main" val="0"/>
+              </a:ext>
+            </a:extLst>
+          </a:blip>
+          <a:srcRect/>
+          <a:stretch>
+            <a:fillRect/>
+          </a:stretch>
+        </p:blipFill>
+        <p:spPr bwMode="auto">
+          <a:xfrm>
+            <a:off x="341841" y="3268740"/>
+            <a:ext cx="732127" cy="732127"/>
+          </a:xfrm>
+          <a:prstGeom prst="rect">
+            <a:avLst/>
+          </a:prstGeom>
+          <a:noFill/>
+          <a:extLst>
+            <a:ext uri="{909E8E84-426E-40DD-AFC4-6F175D3DCCD1}">
+              <a14:hiddenFill xmlns:a14="http://schemas.microsoft.com/office/drawing/2010/main">
+                <a:solidFill>
+                  <a:srgbClr val="FFFFFF"/>
+                </a:solidFill>
+              </a14:hiddenFill>
+            </a:ext>
+          </a:extLst>
+        </p:spPr>
+      </p:pic>
+      <p:sp>
+        <p:nvSpPr>
+          <p:cNvPr id="12" name="TextBox 11">
+            <a:extLst>
+              <a:ext uri="{FF2B5EF4-FFF2-40B4-BE49-F238E27FC236}">
+                <a16:creationId xmlns:a16="http://schemas.microsoft.com/office/drawing/2014/main" id="{891C7762-E2E9-4630-820F-C901F7AE1B89}"/>
+              </a:ext>
+            </a:extLst>
+          </p:cNvPr>
+          <p:cNvSpPr txBox="1"/>
+          <p:nvPr/>
+        </p:nvSpPr>
+        <p:spPr>
+          <a:xfrm>
+            <a:off x="161511" y="3846978"/>
+            <a:ext cx="1067921" cy="307777"/>
+          </a:xfrm>
+          <a:prstGeom prst="rect">
+            <a:avLst/>
+          </a:prstGeom>
+          <a:noFill/>
+        </p:spPr>
+        <p:txBody>
+          <a:bodyPr wrap="none" rtlCol="0">
+            <a:spAutoFit/>
+          </a:bodyPr>
+          <a:lstStyle/>
+          <a:p>
+            <a:r>
+              <a:rPr lang="ru-RU" dirty="0"/>
+              <a:t>Сотрудник</a:t>
+            </a:r>
+          </a:p>
+        </p:txBody>
+      </p:sp>
+      <p:sp>
+        <p:nvSpPr>
+          <p:cNvPr id="17" name="Овал 16">
+            <a:extLst>
+              <a:ext uri="{FF2B5EF4-FFF2-40B4-BE49-F238E27FC236}">
+                <a16:creationId xmlns:a16="http://schemas.microsoft.com/office/drawing/2014/main" id="{ED5C3667-609A-4719-B381-A2D19569B13C}"/>
+              </a:ext>
+            </a:extLst>
+          </p:cNvPr>
+          <p:cNvSpPr/>
+          <p:nvPr/>
+        </p:nvSpPr>
+        <p:spPr>
+          <a:xfrm>
+            <a:off x="5079527" y="1196853"/>
+            <a:ext cx="1740496" cy="574963"/>
+          </a:xfrm>
+          <a:prstGeom prst="ellipse">
+            <a:avLst/>
+          </a:prstGeom>
+        </p:spPr>
+        <p:style>
+          <a:lnRef idx="2">
+            <a:schemeClr val="accent6">
+              <a:shade val="50000"/>
+            </a:schemeClr>
+          </a:lnRef>
+          <a:fillRef idx="1">
+            <a:schemeClr val="accent6"/>
+          </a:fillRef>
+          <a:effectRef idx="0">
+            <a:schemeClr val="accent6"/>
+          </a:effectRef>
+          <a:fontRef idx="minor">
+            <a:schemeClr val="lt1"/>
+          </a:fontRef>
+        </p:style>
+        <p:txBody>
+          <a:bodyPr rtlCol="0" anchor="ctr"/>
+          <a:lstStyle/>
+          <a:p>
+            <a:pPr algn="ctr"/>
+            <a:r>
+              <a:rPr lang="ru-RU" sz="1100" dirty="0"/>
+              <a:t>Формирование кадровой справки</a:t>
+            </a:r>
+          </a:p>
+        </p:txBody>
+      </p:sp>
+      <p:pic>
+        <p:nvPicPr>
+          <p:cNvPr id="18" name="Picture 2" descr="Excel 365 Последняя версия 2021 — Бесплатная загрузка и Oтзывы">
+            <a:extLst>
+              <a:ext uri="{FF2B5EF4-FFF2-40B4-BE49-F238E27FC236}">
+                <a16:creationId xmlns:a16="http://schemas.microsoft.com/office/drawing/2014/main" id="{7FCA7A2B-390A-4F6A-AFBE-0014D65E3BFF}"/>
+              </a:ext>
+            </a:extLst>
+          </p:cNvPr>
+          <p:cNvPicPr>
+            <a:picLocks noChangeAspect="1" noChangeArrowheads="1"/>
+          </p:cNvPicPr>
+          <p:nvPr/>
+        </p:nvPicPr>
+        <p:blipFill>
+          <a:blip r:embed="rId2">
+            <a:extLst>
+              <a:ext uri="{28A0092B-C50C-407E-A947-70E740481C1C}">
+                <a14:useLocalDpi xmlns:a14="http://schemas.microsoft.com/office/drawing/2010/main" val="0"/>
+              </a:ext>
+            </a:extLst>
+          </a:blip>
+          <a:srcRect/>
+          <a:stretch>
+            <a:fillRect/>
+          </a:stretch>
+        </p:blipFill>
+        <p:spPr bwMode="auto">
+          <a:xfrm>
+            <a:off x="7632969" y="1005082"/>
+            <a:ext cx="1092789" cy="958506"/>
+          </a:xfrm>
+          <a:prstGeom prst="rect">
+            <a:avLst/>
+          </a:prstGeom>
+          <a:noFill/>
+          <a:extLst>
+            <a:ext uri="{909E8E84-426E-40DD-AFC4-6F175D3DCCD1}">
+              <a14:hiddenFill xmlns:a14="http://schemas.microsoft.com/office/drawing/2010/main">
+                <a:solidFill>
+                  <a:srgbClr val="FFFFFF"/>
+                </a:solidFill>
+              </a14:hiddenFill>
+            </a:ext>
+          </a:extLst>
+        </p:spPr>
+      </p:pic>
+      <p:sp>
+        <p:nvSpPr>
+          <p:cNvPr id="19" name="TextBox 18">
+            <a:extLst>
+              <a:ext uri="{FF2B5EF4-FFF2-40B4-BE49-F238E27FC236}">
+                <a16:creationId xmlns:a16="http://schemas.microsoft.com/office/drawing/2014/main" id="{1C9B8279-76DD-4281-ADE0-6EF26A0A7BC3}"/>
+              </a:ext>
+            </a:extLst>
+          </p:cNvPr>
+          <p:cNvSpPr txBox="1"/>
+          <p:nvPr/>
+        </p:nvSpPr>
+        <p:spPr>
+          <a:xfrm>
+            <a:off x="7389671" y="1809699"/>
+            <a:ext cx="1694695" cy="307777"/>
+          </a:xfrm>
+          <a:prstGeom prst="rect">
+            <a:avLst/>
+          </a:prstGeom>
+          <a:solidFill>
+            <a:schemeClr val="accent2">
+              <a:lumMod val="20000"/>
+              <a:lumOff val="80000"/>
+            </a:schemeClr>
+          </a:solidFill>
+        </p:spPr>
+        <p:txBody>
+          <a:bodyPr wrap="none" rtlCol="0">
+            <a:spAutoFit/>
+          </a:bodyPr>
+          <a:lstStyle/>
+          <a:p>
+            <a:r>
+              <a:rPr lang="ru-RU" dirty="0"/>
+              <a:t>Кадровая справка</a:t>
+            </a:r>
+          </a:p>
+        </p:txBody>
+      </p:sp>
+      <p:cxnSp>
+        <p:nvCxnSpPr>
+          <p:cNvPr id="22" name="Прямая со стрелкой 21">
+            <a:extLst>
+              <a:ext uri="{FF2B5EF4-FFF2-40B4-BE49-F238E27FC236}">
+                <a16:creationId xmlns:a16="http://schemas.microsoft.com/office/drawing/2014/main" id="{1C0C4EE5-FA18-4BFA-BEEC-41BCFC90F5EC}"/>
+              </a:ext>
+            </a:extLst>
+          </p:cNvPr>
+          <p:cNvCxnSpPr>
+            <a:cxnSpLocks/>
+            <a:stCxn id="17" idx="6"/>
+            <a:endCxn id="18" idx="1"/>
+          </p:cNvCxnSpPr>
+          <p:nvPr/>
+        </p:nvCxnSpPr>
+        <p:spPr>
+          <a:xfrm>
+            <a:off x="6820023" y="1484335"/>
+            <a:ext cx="812946" cy="0"/>
+          </a:xfrm>
+          <a:prstGeom prst="straightConnector1">
+            <a:avLst/>
+          </a:prstGeom>
+          <a:ln>
+            <a:tailEnd type="triangle"/>
+          </a:ln>
+        </p:spPr>
+        <p:style>
+          <a:lnRef idx="2">
+            <a:schemeClr val="accent4"/>
+          </a:lnRef>
+          <a:fillRef idx="0">
+            <a:schemeClr val="accent4"/>
+          </a:fillRef>
+          <a:effectRef idx="1">
+            <a:schemeClr val="accent4"/>
+          </a:effectRef>
+          <a:fontRef idx="minor">
+            <a:schemeClr val="tx1"/>
+          </a:fontRef>
+        </p:style>
+      </p:cxnSp>
+      <p:sp>
+        <p:nvSpPr>
+          <p:cNvPr id="25" name="Овал 24">
+            <a:extLst>
+              <a:ext uri="{FF2B5EF4-FFF2-40B4-BE49-F238E27FC236}">
+                <a16:creationId xmlns:a16="http://schemas.microsoft.com/office/drawing/2014/main" id="{0276ABCF-D883-4935-BF65-F61E605A7175}"/>
+              </a:ext>
+            </a:extLst>
+          </p:cNvPr>
+          <p:cNvSpPr/>
+          <p:nvPr/>
+        </p:nvSpPr>
+        <p:spPr>
+          <a:xfrm>
+            <a:off x="2658851" y="2981258"/>
+            <a:ext cx="1785993" cy="574963"/>
+          </a:xfrm>
+          <a:prstGeom prst="ellipse">
+            <a:avLst/>
+          </a:prstGeom>
+        </p:spPr>
+        <p:style>
+          <a:lnRef idx="2">
+            <a:schemeClr val="accent6">
+              <a:shade val="50000"/>
+            </a:schemeClr>
+          </a:lnRef>
+          <a:fillRef idx="1">
+            <a:schemeClr val="accent6"/>
+          </a:fillRef>
+          <a:effectRef idx="0">
+            <a:schemeClr val="accent6"/>
+          </a:effectRef>
+          <a:fontRef idx="minor">
+            <a:schemeClr val="lt1"/>
+          </a:fontRef>
+        </p:style>
+        <p:txBody>
+          <a:bodyPr rtlCol="0" anchor="ctr"/>
+          <a:lstStyle/>
+          <a:p>
+            <a:pPr algn="ctr"/>
+            <a:r>
+              <a:rPr lang="ru-RU" sz="1100" dirty="0"/>
+              <a:t>Назначение преподавателей</a:t>
+            </a:r>
+          </a:p>
+        </p:txBody>
+      </p:sp>
+      <p:sp>
+        <p:nvSpPr>
+          <p:cNvPr id="27" name="Овал 26">
+            <a:extLst>
+              <a:ext uri="{FF2B5EF4-FFF2-40B4-BE49-F238E27FC236}">
+                <a16:creationId xmlns:a16="http://schemas.microsoft.com/office/drawing/2014/main" id="{9E86FFE3-3F2C-4CB8-A939-73FCEEC7F078}"/>
+              </a:ext>
+            </a:extLst>
+          </p:cNvPr>
+          <p:cNvSpPr/>
+          <p:nvPr/>
+        </p:nvSpPr>
+        <p:spPr>
+          <a:xfrm>
+            <a:off x="2658851" y="2193114"/>
+            <a:ext cx="1852171" cy="736023"/>
+          </a:xfrm>
+          <a:prstGeom prst="ellipse">
+            <a:avLst/>
+          </a:prstGeom>
+        </p:spPr>
+        <p:style>
+          <a:lnRef idx="2">
+            <a:schemeClr val="accent6">
+              <a:shade val="50000"/>
+            </a:schemeClr>
+          </a:lnRef>
+          <a:fillRef idx="1">
+            <a:schemeClr val="accent6"/>
+          </a:fillRef>
+          <a:effectRef idx="0">
+            <a:schemeClr val="accent6"/>
+          </a:effectRef>
+          <a:fontRef idx="minor">
+            <a:schemeClr val="lt1"/>
+          </a:fontRef>
+        </p:style>
+        <p:txBody>
+          <a:bodyPr rtlCol="0" anchor="ctr"/>
+          <a:lstStyle/>
+          <a:p>
+            <a:pPr algn="ctr"/>
+            <a:r>
+              <a:rPr lang="ru-RU" sz="1100" dirty="0"/>
+              <a:t>Проверка на соблюдение требований ФГОС</a:t>
+            </a:r>
+          </a:p>
+        </p:txBody>
+      </p:sp>
+      <p:sp>
+        <p:nvSpPr>
+          <p:cNvPr id="35" name="Прямоугольник 34">
+            <a:extLst>
+              <a:ext uri="{FF2B5EF4-FFF2-40B4-BE49-F238E27FC236}">
+                <a16:creationId xmlns:a16="http://schemas.microsoft.com/office/drawing/2014/main" id="{B8953D80-56FA-4D94-B358-0895CD754404}"/>
+              </a:ext>
+            </a:extLst>
+          </p:cNvPr>
+          <p:cNvSpPr/>
+          <p:nvPr/>
+        </p:nvSpPr>
+        <p:spPr>
+          <a:xfrm>
+            <a:off x="2589801" y="2152266"/>
+            <a:ext cx="2036865" cy="1403955"/>
+          </a:xfrm>
+          <a:prstGeom prst="rect">
+            <a:avLst/>
+          </a:prstGeom>
+          <a:noFill/>
+          <a:ln>
+            <a:solidFill>
+              <a:srgbClr val="FFC000"/>
+            </a:solidFill>
+          </a:ln>
+        </p:spPr>
+        <p:style>
+          <a:lnRef idx="2">
+            <a:schemeClr val="accent1">
+              <a:shade val="50000"/>
+            </a:schemeClr>
+          </a:lnRef>
+          <a:fillRef idx="1">
+            <a:schemeClr val="accent1"/>
+          </a:fillRef>
+          <a:effectRef idx="0">
+            <a:schemeClr val="accent1"/>
+          </a:effectRef>
+          <a:fontRef idx="minor">
+            <a:schemeClr val="lt1"/>
+          </a:fontRef>
+        </p:style>
+        <p:txBody>
+          <a:bodyPr rtlCol="0" anchor="ctr"/>
+          <a:lstStyle/>
+          <a:p>
+            <a:pPr algn="ctr"/>
+            <a:endParaRPr lang="ru-RU"/>
+          </a:p>
+        </p:txBody>
+      </p:sp>
+      <p:cxnSp>
+        <p:nvCxnSpPr>
+          <p:cNvPr id="20" name="Прямая со стрелкой 19">
+            <a:extLst>
+              <a:ext uri="{FF2B5EF4-FFF2-40B4-BE49-F238E27FC236}">
+                <a16:creationId xmlns:a16="http://schemas.microsoft.com/office/drawing/2014/main" id="{6B01C3EC-BBFB-468F-9CAB-B0E379ECBFDA}"/>
+              </a:ext>
+            </a:extLst>
+          </p:cNvPr>
+          <p:cNvCxnSpPr>
+            <a:cxnSpLocks/>
+            <a:endCxn id="25" idx="2"/>
+          </p:cNvCxnSpPr>
+          <p:nvPr/>
+        </p:nvCxnSpPr>
+        <p:spPr>
+          <a:xfrm flipV="1">
+            <a:off x="907937" y="3268740"/>
+            <a:ext cx="1750914" cy="392524"/>
+          </a:xfrm>
+          <a:prstGeom prst="straightConnector1">
+            <a:avLst/>
+          </a:prstGeom>
+          <a:ln>
+            <a:tailEnd type="triangle"/>
+          </a:ln>
+        </p:spPr>
+        <p:style>
+          <a:lnRef idx="2">
+            <a:schemeClr val="accent4"/>
+          </a:lnRef>
+          <a:fillRef idx="0">
+            <a:schemeClr val="accent4"/>
+          </a:fillRef>
+          <a:effectRef idx="1">
+            <a:schemeClr val="accent4"/>
+          </a:effectRef>
+          <a:fontRef idx="minor">
+            <a:schemeClr val="tx1"/>
+          </a:fontRef>
+        </p:style>
+      </p:cxnSp>
+      <p:cxnSp>
+        <p:nvCxnSpPr>
+          <p:cNvPr id="38" name="Прямая со стрелкой 37">
+            <a:extLst>
+              <a:ext uri="{FF2B5EF4-FFF2-40B4-BE49-F238E27FC236}">
+                <a16:creationId xmlns:a16="http://schemas.microsoft.com/office/drawing/2014/main" id="{143071A6-F7EA-441D-B227-DFBFDAD71B94}"/>
+              </a:ext>
+            </a:extLst>
+          </p:cNvPr>
+          <p:cNvCxnSpPr>
+            <a:cxnSpLocks/>
+            <a:endCxn id="27" idx="2"/>
+          </p:cNvCxnSpPr>
+          <p:nvPr/>
+        </p:nvCxnSpPr>
+        <p:spPr>
+          <a:xfrm flipV="1">
+            <a:off x="907937" y="2561126"/>
+            <a:ext cx="1750914" cy="906000"/>
+          </a:xfrm>
+          <a:prstGeom prst="straightConnector1">
+            <a:avLst/>
+          </a:prstGeom>
+          <a:ln>
+            <a:tailEnd type="triangle"/>
+          </a:ln>
+        </p:spPr>
+        <p:style>
+          <a:lnRef idx="2">
+            <a:schemeClr val="accent4"/>
+          </a:lnRef>
+          <a:fillRef idx="0">
+            <a:schemeClr val="accent4"/>
+          </a:fillRef>
+          <a:effectRef idx="1">
+            <a:schemeClr val="accent4"/>
+          </a:effectRef>
+          <a:fontRef idx="minor">
+            <a:schemeClr val="tx1"/>
+          </a:fontRef>
+        </p:style>
+      </p:cxnSp>
+    </p:spTree>
+    <p:extLst>
+      <p:ext uri="{BB962C8B-B14F-4D97-AF65-F5344CB8AC3E}">
+        <p14:creationId xmlns:p14="http://schemas.microsoft.com/office/powerpoint/2010/main" val="4286978001"/>
+      </p:ext>
+    </p:extLst>
+  </p:cSld>
+  <p:clrMapOvr>
+    <a:masterClrMapping/>
+  </p:clrMapOvr>
+</p:sld>
+</file>
+
+<file path=ppt/slides/slide4.xml><?xml version="1.0" encoding="utf-8"?>
 <p:sld xmlns:a="http://schemas.openxmlformats.org/drawingml/2006/main" xmlns:r="http://schemas.openxmlformats.org/officeDocument/2006/relationships" xmlns:p="http://schemas.openxmlformats.org/presentationml/2006/main">
   <p:cSld>
     <p:spTree>
@@ -26461,798 +28235,7 @@
 </p:sld>
 </file>
 
-<file path=ppt/slides/slide30.xml><?xml version="1.0" encoding="utf-8"?>
-<p:sld xmlns:a="http://schemas.openxmlformats.org/drawingml/2006/main" xmlns:r="http://schemas.openxmlformats.org/officeDocument/2006/relationships" xmlns:p="http://schemas.openxmlformats.org/presentationml/2006/main">
-  <p:cSld>
-    <p:spTree>
-      <p:nvGrpSpPr>
-        <p:cNvPr id="1" name=""/>
-        <p:cNvGrpSpPr/>
-        <p:nvPr/>
-      </p:nvGrpSpPr>
-      <p:grpSpPr>
-        <a:xfrm>
-          <a:off x="0" y="0"/>
-          <a:ext cx="0" cy="0"/>
-          <a:chOff x="0" y="0"/>
-          <a:chExt cx="0" cy="0"/>
-        </a:xfrm>
-      </p:grpSpPr>
-      <p:pic>
-        <p:nvPicPr>
-          <p:cNvPr id="1026" name="Picture 2" descr="Excel 365 Последняя версия 2021 — Бесплатная загрузка и Oтзывы">
-            <a:extLst>
-              <a:ext uri="{FF2B5EF4-FFF2-40B4-BE49-F238E27FC236}">
-                <a16:creationId xmlns:a16="http://schemas.microsoft.com/office/drawing/2014/main" id="{2E8C21C5-4AF0-4815-95F5-11D71C53E289}"/>
-              </a:ext>
-            </a:extLst>
-          </p:cNvPr>
-          <p:cNvPicPr>
-            <a:picLocks noChangeAspect="1" noChangeArrowheads="1"/>
-          </p:cNvPicPr>
-          <p:nvPr/>
-        </p:nvPicPr>
-        <p:blipFill>
-          <a:blip r:embed="rId2">
-            <a:extLst>
-              <a:ext uri="{28A0092B-C50C-407E-A947-70E740481C1C}">
-                <a14:useLocalDpi xmlns:a14="http://schemas.microsoft.com/office/drawing/2010/main" val="0"/>
-              </a:ext>
-            </a:extLst>
-          </a:blip>
-          <a:srcRect/>
-          <a:stretch>
-            <a:fillRect/>
-          </a:stretch>
-        </p:blipFill>
-        <p:spPr bwMode="auto">
-          <a:xfrm>
-            <a:off x="161511" y="1277185"/>
-            <a:ext cx="1092789" cy="958506"/>
-          </a:xfrm>
-          <a:prstGeom prst="rect">
-            <a:avLst/>
-          </a:prstGeom>
-          <a:noFill/>
-          <a:extLst>
-            <a:ext uri="{909E8E84-426E-40DD-AFC4-6F175D3DCCD1}">
-              <a14:hiddenFill xmlns:a14="http://schemas.microsoft.com/office/drawing/2010/main">
-                <a:solidFill>
-                  <a:srgbClr val="FFFFFF"/>
-                </a:solidFill>
-              </a14:hiddenFill>
-            </a:ext>
-          </a:extLst>
-        </p:spPr>
-      </p:pic>
-      <p:sp>
-        <p:nvSpPr>
-          <p:cNvPr id="5" name="TextBox 4">
-            <a:extLst>
-              <a:ext uri="{FF2B5EF4-FFF2-40B4-BE49-F238E27FC236}">
-                <a16:creationId xmlns:a16="http://schemas.microsoft.com/office/drawing/2014/main" id="{CA6D77EA-08E9-4B54-8C6E-88F2926A0B9D}"/>
-              </a:ext>
-            </a:extLst>
-          </p:cNvPr>
-          <p:cNvSpPr txBox="1"/>
-          <p:nvPr/>
-        </p:nvSpPr>
-        <p:spPr>
-          <a:xfrm>
-            <a:off x="84091" y="2081802"/>
-            <a:ext cx="1374094" cy="307777"/>
-          </a:xfrm>
-          <a:prstGeom prst="rect">
-            <a:avLst/>
-          </a:prstGeom>
-          <a:solidFill>
-            <a:schemeClr val="accent2">
-              <a:lumMod val="20000"/>
-              <a:lumOff val="80000"/>
-            </a:schemeClr>
-          </a:solidFill>
-        </p:spPr>
-        <p:txBody>
-          <a:bodyPr wrap="none" rtlCol="0">
-            <a:spAutoFit/>
-          </a:bodyPr>
-          <a:lstStyle/>
-          <a:p>
-            <a:r>
-              <a:rPr lang="ru-RU" dirty="0"/>
-              <a:t>Учебный план</a:t>
-            </a:r>
-          </a:p>
-        </p:txBody>
-      </p:sp>
-      <p:sp>
-        <p:nvSpPr>
-          <p:cNvPr id="8" name="Прямоугольник: скругленные углы 7">
-            <a:extLst>
-              <a:ext uri="{FF2B5EF4-FFF2-40B4-BE49-F238E27FC236}">
-                <a16:creationId xmlns:a16="http://schemas.microsoft.com/office/drawing/2014/main" id="{9D678DEF-B57A-47EC-9532-DBA2A3D5164E}"/>
-              </a:ext>
-            </a:extLst>
-          </p:cNvPr>
-          <p:cNvSpPr/>
-          <p:nvPr/>
-        </p:nvSpPr>
-        <p:spPr>
-          <a:xfrm>
-            <a:off x="2205584" y="529039"/>
-            <a:ext cx="4842164" cy="3471828"/>
-          </a:xfrm>
-          <a:prstGeom prst="roundRect">
-            <a:avLst/>
-          </a:prstGeom>
-        </p:spPr>
-        <p:style>
-          <a:lnRef idx="2">
-            <a:schemeClr val="accent1">
-              <a:shade val="50000"/>
-            </a:schemeClr>
-          </a:lnRef>
-          <a:fillRef idx="1">
-            <a:schemeClr val="accent1"/>
-          </a:fillRef>
-          <a:effectRef idx="0">
-            <a:schemeClr val="accent1"/>
-          </a:effectRef>
-          <a:fontRef idx="minor">
-            <a:schemeClr val="lt1"/>
-          </a:fontRef>
-        </p:style>
-        <p:txBody>
-          <a:bodyPr rtlCol="0" anchor="ctr"/>
-          <a:lstStyle/>
-          <a:p>
-            <a:pPr algn="ctr"/>
-            <a:endParaRPr lang="ru-RU" dirty="0"/>
-          </a:p>
-        </p:txBody>
-      </p:sp>
-      <p:sp>
-        <p:nvSpPr>
-          <p:cNvPr id="9" name="TextBox 8">
-            <a:extLst>
-              <a:ext uri="{FF2B5EF4-FFF2-40B4-BE49-F238E27FC236}">
-                <a16:creationId xmlns:a16="http://schemas.microsoft.com/office/drawing/2014/main" id="{DB1161FB-7094-4846-B429-DE33E00564CE}"/>
-              </a:ext>
-            </a:extLst>
-          </p:cNvPr>
-          <p:cNvSpPr txBox="1"/>
-          <p:nvPr/>
-        </p:nvSpPr>
-        <p:spPr>
-          <a:xfrm>
-            <a:off x="4057754" y="529038"/>
-            <a:ext cx="909223" cy="307777"/>
-          </a:xfrm>
-          <a:prstGeom prst="rect">
-            <a:avLst/>
-          </a:prstGeom>
-          <a:noFill/>
-        </p:spPr>
-        <p:txBody>
-          <a:bodyPr wrap="none" rtlCol="0">
-            <a:spAutoFit/>
-          </a:bodyPr>
-          <a:lstStyle/>
-          <a:p>
-            <a:r>
-              <a:rPr lang="ru-RU" dirty="0">
-                <a:solidFill>
-                  <a:schemeClr val="bg1">
-                    <a:lumMod val="95000"/>
-                  </a:schemeClr>
-                </a:solidFill>
-              </a:rPr>
-              <a:t>Система</a:t>
-            </a:r>
-          </a:p>
-        </p:txBody>
-      </p:sp>
-      <p:sp>
-        <p:nvSpPr>
-          <p:cNvPr id="10" name="Овал 9">
-            <a:extLst>
-              <a:ext uri="{FF2B5EF4-FFF2-40B4-BE49-F238E27FC236}">
-                <a16:creationId xmlns:a16="http://schemas.microsoft.com/office/drawing/2014/main" id="{42CE30A9-6340-42E2-84C1-87382007D7FA}"/>
-              </a:ext>
-            </a:extLst>
-          </p:cNvPr>
-          <p:cNvSpPr/>
-          <p:nvPr/>
-        </p:nvSpPr>
-        <p:spPr>
-          <a:xfrm>
-            <a:off x="2454966" y="1196853"/>
-            <a:ext cx="2396836" cy="574963"/>
-          </a:xfrm>
-          <a:prstGeom prst="ellipse">
-            <a:avLst/>
-          </a:prstGeom>
-        </p:spPr>
-        <p:style>
-          <a:lnRef idx="2">
-            <a:schemeClr val="accent6">
-              <a:shade val="50000"/>
-            </a:schemeClr>
-          </a:lnRef>
-          <a:fillRef idx="1">
-            <a:schemeClr val="accent6"/>
-          </a:fillRef>
-          <a:effectRef idx="0">
-            <a:schemeClr val="accent6"/>
-          </a:effectRef>
-          <a:fontRef idx="minor">
-            <a:schemeClr val="lt1"/>
-          </a:fontRef>
-        </p:style>
-        <p:txBody>
-          <a:bodyPr rtlCol="0" anchor="ctr"/>
-          <a:lstStyle/>
-          <a:p>
-            <a:pPr algn="ctr"/>
-            <a:r>
-              <a:rPr lang="ru-RU" sz="1100" dirty="0"/>
-              <a:t>Обработка учебного плана</a:t>
-            </a:r>
-          </a:p>
-        </p:txBody>
-      </p:sp>
-      <p:cxnSp>
-        <p:nvCxnSpPr>
-          <p:cNvPr id="7" name="Прямая со стрелкой 6">
-            <a:extLst>
-              <a:ext uri="{FF2B5EF4-FFF2-40B4-BE49-F238E27FC236}">
-                <a16:creationId xmlns:a16="http://schemas.microsoft.com/office/drawing/2014/main" id="{4C10DE2C-08A5-48BF-9FB7-67ECD9E2B545}"/>
-              </a:ext>
-            </a:extLst>
-          </p:cNvPr>
-          <p:cNvCxnSpPr>
-            <a:cxnSpLocks/>
-            <a:stCxn id="1026" idx="3"/>
-            <a:endCxn id="10" idx="2"/>
-          </p:cNvCxnSpPr>
-          <p:nvPr/>
-        </p:nvCxnSpPr>
-        <p:spPr>
-          <a:xfrm flipV="1">
-            <a:off x="1254300" y="1484335"/>
-            <a:ext cx="1200666" cy="272103"/>
-          </a:xfrm>
-          <a:prstGeom prst="straightConnector1">
-            <a:avLst/>
-          </a:prstGeom>
-          <a:ln>
-            <a:tailEnd type="triangle"/>
-          </a:ln>
-        </p:spPr>
-        <p:style>
-          <a:lnRef idx="2">
-            <a:schemeClr val="accent4"/>
-          </a:lnRef>
-          <a:fillRef idx="0">
-            <a:schemeClr val="accent4"/>
-          </a:fillRef>
-          <a:effectRef idx="1">
-            <a:schemeClr val="accent4"/>
-          </a:effectRef>
-          <a:fontRef idx="minor">
-            <a:schemeClr val="tx1"/>
-          </a:fontRef>
-        </p:style>
-      </p:cxnSp>
-      <p:pic>
-        <p:nvPicPr>
-          <p:cNvPr id="1032" name="Picture 8" descr="сотрудник бесплатно значок из News and Media Icons">
-            <a:extLst>
-              <a:ext uri="{FF2B5EF4-FFF2-40B4-BE49-F238E27FC236}">
-                <a16:creationId xmlns:a16="http://schemas.microsoft.com/office/drawing/2014/main" id="{A888FD4F-2B04-46D8-B490-BC95ABD8C868}"/>
-              </a:ext>
-            </a:extLst>
-          </p:cNvPr>
-          <p:cNvPicPr>
-            <a:picLocks noChangeAspect="1" noChangeArrowheads="1"/>
-          </p:cNvPicPr>
-          <p:nvPr/>
-        </p:nvPicPr>
-        <p:blipFill>
-          <a:blip r:embed="rId3">
-            <a:extLst>
-              <a:ext uri="{28A0092B-C50C-407E-A947-70E740481C1C}">
-                <a14:useLocalDpi xmlns:a14="http://schemas.microsoft.com/office/drawing/2010/main" val="0"/>
-              </a:ext>
-            </a:extLst>
-          </a:blip>
-          <a:srcRect/>
-          <a:stretch>
-            <a:fillRect/>
-          </a:stretch>
-        </p:blipFill>
-        <p:spPr bwMode="auto">
-          <a:xfrm>
-            <a:off x="341841" y="3268740"/>
-            <a:ext cx="732127" cy="732127"/>
-          </a:xfrm>
-          <a:prstGeom prst="rect">
-            <a:avLst/>
-          </a:prstGeom>
-          <a:noFill/>
-          <a:extLst>
-            <a:ext uri="{909E8E84-426E-40DD-AFC4-6F175D3DCCD1}">
-              <a14:hiddenFill xmlns:a14="http://schemas.microsoft.com/office/drawing/2010/main">
-                <a:solidFill>
-                  <a:srgbClr val="FFFFFF"/>
-                </a:solidFill>
-              </a14:hiddenFill>
-            </a:ext>
-          </a:extLst>
-        </p:spPr>
-      </p:pic>
-      <p:sp>
-        <p:nvSpPr>
-          <p:cNvPr id="12" name="TextBox 11">
-            <a:extLst>
-              <a:ext uri="{FF2B5EF4-FFF2-40B4-BE49-F238E27FC236}">
-                <a16:creationId xmlns:a16="http://schemas.microsoft.com/office/drawing/2014/main" id="{891C7762-E2E9-4630-820F-C901F7AE1B89}"/>
-              </a:ext>
-            </a:extLst>
-          </p:cNvPr>
-          <p:cNvSpPr txBox="1"/>
-          <p:nvPr/>
-        </p:nvSpPr>
-        <p:spPr>
-          <a:xfrm>
-            <a:off x="161511" y="3846978"/>
-            <a:ext cx="1067921" cy="307777"/>
-          </a:xfrm>
-          <a:prstGeom prst="rect">
-            <a:avLst/>
-          </a:prstGeom>
-          <a:noFill/>
-        </p:spPr>
-        <p:txBody>
-          <a:bodyPr wrap="none" rtlCol="0">
-            <a:spAutoFit/>
-          </a:bodyPr>
-          <a:lstStyle/>
-          <a:p>
-            <a:r>
-              <a:rPr lang="ru-RU" dirty="0"/>
-              <a:t>Сотрудник</a:t>
-            </a:r>
-          </a:p>
-        </p:txBody>
-      </p:sp>
-      <p:sp>
-        <p:nvSpPr>
-          <p:cNvPr id="17" name="Овал 16">
-            <a:extLst>
-              <a:ext uri="{FF2B5EF4-FFF2-40B4-BE49-F238E27FC236}">
-                <a16:creationId xmlns:a16="http://schemas.microsoft.com/office/drawing/2014/main" id="{ED5C3667-609A-4719-B381-A2D19569B13C}"/>
-              </a:ext>
-            </a:extLst>
-          </p:cNvPr>
-          <p:cNvSpPr/>
-          <p:nvPr/>
-        </p:nvSpPr>
-        <p:spPr>
-          <a:xfrm>
-            <a:off x="5079527" y="1196853"/>
-            <a:ext cx="1740496" cy="574963"/>
-          </a:xfrm>
-          <a:prstGeom prst="ellipse">
-            <a:avLst/>
-          </a:prstGeom>
-        </p:spPr>
-        <p:style>
-          <a:lnRef idx="2">
-            <a:schemeClr val="accent6">
-              <a:shade val="50000"/>
-            </a:schemeClr>
-          </a:lnRef>
-          <a:fillRef idx="1">
-            <a:schemeClr val="accent6"/>
-          </a:fillRef>
-          <a:effectRef idx="0">
-            <a:schemeClr val="accent6"/>
-          </a:effectRef>
-          <a:fontRef idx="minor">
-            <a:schemeClr val="lt1"/>
-          </a:fontRef>
-        </p:style>
-        <p:txBody>
-          <a:bodyPr rtlCol="0" anchor="ctr"/>
-          <a:lstStyle/>
-          <a:p>
-            <a:pPr algn="ctr"/>
-            <a:r>
-              <a:rPr lang="ru-RU" sz="1100" dirty="0"/>
-              <a:t>Формирование кадровой справки</a:t>
-            </a:r>
-          </a:p>
-        </p:txBody>
-      </p:sp>
-      <p:pic>
-        <p:nvPicPr>
-          <p:cNvPr id="18" name="Picture 2" descr="Excel 365 Последняя версия 2021 — Бесплатная загрузка и Oтзывы">
-            <a:extLst>
-              <a:ext uri="{FF2B5EF4-FFF2-40B4-BE49-F238E27FC236}">
-                <a16:creationId xmlns:a16="http://schemas.microsoft.com/office/drawing/2014/main" id="{7FCA7A2B-390A-4F6A-AFBE-0014D65E3BFF}"/>
-              </a:ext>
-            </a:extLst>
-          </p:cNvPr>
-          <p:cNvPicPr>
-            <a:picLocks noChangeAspect="1" noChangeArrowheads="1"/>
-          </p:cNvPicPr>
-          <p:nvPr/>
-        </p:nvPicPr>
-        <p:blipFill>
-          <a:blip r:embed="rId2">
-            <a:extLst>
-              <a:ext uri="{28A0092B-C50C-407E-A947-70E740481C1C}">
-                <a14:useLocalDpi xmlns:a14="http://schemas.microsoft.com/office/drawing/2010/main" val="0"/>
-              </a:ext>
-            </a:extLst>
-          </a:blip>
-          <a:srcRect/>
-          <a:stretch>
-            <a:fillRect/>
-          </a:stretch>
-        </p:blipFill>
-        <p:spPr bwMode="auto">
-          <a:xfrm>
-            <a:off x="7632969" y="1005082"/>
-            <a:ext cx="1092789" cy="958506"/>
-          </a:xfrm>
-          <a:prstGeom prst="rect">
-            <a:avLst/>
-          </a:prstGeom>
-          <a:noFill/>
-          <a:extLst>
-            <a:ext uri="{909E8E84-426E-40DD-AFC4-6F175D3DCCD1}">
-              <a14:hiddenFill xmlns:a14="http://schemas.microsoft.com/office/drawing/2010/main">
-                <a:solidFill>
-                  <a:srgbClr val="FFFFFF"/>
-                </a:solidFill>
-              </a14:hiddenFill>
-            </a:ext>
-          </a:extLst>
-        </p:spPr>
-      </p:pic>
-      <p:sp>
-        <p:nvSpPr>
-          <p:cNvPr id="19" name="TextBox 18">
-            <a:extLst>
-              <a:ext uri="{FF2B5EF4-FFF2-40B4-BE49-F238E27FC236}">
-                <a16:creationId xmlns:a16="http://schemas.microsoft.com/office/drawing/2014/main" id="{1C9B8279-76DD-4281-ADE0-6EF26A0A7BC3}"/>
-              </a:ext>
-            </a:extLst>
-          </p:cNvPr>
-          <p:cNvSpPr txBox="1"/>
-          <p:nvPr/>
-        </p:nvSpPr>
-        <p:spPr>
-          <a:xfrm>
-            <a:off x="7389671" y="1809699"/>
-            <a:ext cx="1694695" cy="307777"/>
-          </a:xfrm>
-          <a:prstGeom prst="rect">
-            <a:avLst/>
-          </a:prstGeom>
-          <a:solidFill>
-            <a:schemeClr val="accent2">
-              <a:lumMod val="20000"/>
-              <a:lumOff val="80000"/>
-            </a:schemeClr>
-          </a:solidFill>
-        </p:spPr>
-        <p:txBody>
-          <a:bodyPr wrap="none" rtlCol="0">
-            <a:spAutoFit/>
-          </a:bodyPr>
-          <a:lstStyle/>
-          <a:p>
-            <a:r>
-              <a:rPr lang="ru-RU" dirty="0"/>
-              <a:t>Кадровая справка</a:t>
-            </a:r>
-          </a:p>
-        </p:txBody>
-      </p:sp>
-      <p:cxnSp>
-        <p:nvCxnSpPr>
-          <p:cNvPr id="22" name="Прямая со стрелкой 21">
-            <a:extLst>
-              <a:ext uri="{FF2B5EF4-FFF2-40B4-BE49-F238E27FC236}">
-                <a16:creationId xmlns:a16="http://schemas.microsoft.com/office/drawing/2014/main" id="{1C0C4EE5-FA18-4BFA-BEEC-41BCFC90F5EC}"/>
-              </a:ext>
-            </a:extLst>
-          </p:cNvPr>
-          <p:cNvCxnSpPr>
-            <a:cxnSpLocks/>
-            <a:stCxn id="17" idx="6"/>
-            <a:endCxn id="18" idx="1"/>
-          </p:cNvCxnSpPr>
-          <p:nvPr/>
-        </p:nvCxnSpPr>
-        <p:spPr>
-          <a:xfrm>
-            <a:off x="6820023" y="1484335"/>
-            <a:ext cx="812946" cy="0"/>
-          </a:xfrm>
-          <a:prstGeom prst="straightConnector1">
-            <a:avLst/>
-          </a:prstGeom>
-          <a:ln>
-            <a:tailEnd type="triangle"/>
-          </a:ln>
-        </p:spPr>
-        <p:style>
-          <a:lnRef idx="2">
-            <a:schemeClr val="accent4"/>
-          </a:lnRef>
-          <a:fillRef idx="0">
-            <a:schemeClr val="accent4"/>
-          </a:fillRef>
-          <a:effectRef idx="1">
-            <a:schemeClr val="accent4"/>
-          </a:effectRef>
-          <a:fontRef idx="minor">
-            <a:schemeClr val="tx1"/>
-          </a:fontRef>
-        </p:style>
-      </p:cxnSp>
-      <p:sp>
-        <p:nvSpPr>
-          <p:cNvPr id="25" name="Овал 24">
-            <a:extLst>
-              <a:ext uri="{FF2B5EF4-FFF2-40B4-BE49-F238E27FC236}">
-                <a16:creationId xmlns:a16="http://schemas.microsoft.com/office/drawing/2014/main" id="{0276ABCF-D883-4935-BF65-F61E605A7175}"/>
-              </a:ext>
-            </a:extLst>
-          </p:cNvPr>
-          <p:cNvSpPr/>
-          <p:nvPr/>
-        </p:nvSpPr>
-        <p:spPr>
-          <a:xfrm>
-            <a:off x="2658851" y="2981258"/>
-            <a:ext cx="1785993" cy="574963"/>
-          </a:xfrm>
-          <a:prstGeom prst="ellipse">
-            <a:avLst/>
-          </a:prstGeom>
-        </p:spPr>
-        <p:style>
-          <a:lnRef idx="2">
-            <a:schemeClr val="accent6">
-              <a:shade val="50000"/>
-            </a:schemeClr>
-          </a:lnRef>
-          <a:fillRef idx="1">
-            <a:schemeClr val="accent6"/>
-          </a:fillRef>
-          <a:effectRef idx="0">
-            <a:schemeClr val="accent6"/>
-          </a:effectRef>
-          <a:fontRef idx="minor">
-            <a:schemeClr val="lt1"/>
-          </a:fontRef>
-        </p:style>
-        <p:txBody>
-          <a:bodyPr rtlCol="0" anchor="ctr"/>
-          <a:lstStyle/>
-          <a:p>
-            <a:pPr algn="ctr"/>
-            <a:r>
-              <a:rPr lang="ru-RU" sz="1100" dirty="0"/>
-              <a:t>Назначение преподавателей</a:t>
-            </a:r>
-          </a:p>
-        </p:txBody>
-      </p:sp>
-      <p:sp>
-        <p:nvSpPr>
-          <p:cNvPr id="27" name="Овал 26">
-            <a:extLst>
-              <a:ext uri="{FF2B5EF4-FFF2-40B4-BE49-F238E27FC236}">
-                <a16:creationId xmlns:a16="http://schemas.microsoft.com/office/drawing/2014/main" id="{9E86FFE3-3F2C-4CB8-A939-73FCEEC7F078}"/>
-              </a:ext>
-            </a:extLst>
-          </p:cNvPr>
-          <p:cNvSpPr/>
-          <p:nvPr/>
-        </p:nvSpPr>
-        <p:spPr>
-          <a:xfrm>
-            <a:off x="2658851" y="2193114"/>
-            <a:ext cx="1852171" cy="736023"/>
-          </a:xfrm>
-          <a:prstGeom prst="ellipse">
-            <a:avLst/>
-          </a:prstGeom>
-        </p:spPr>
-        <p:style>
-          <a:lnRef idx="2">
-            <a:schemeClr val="accent6">
-              <a:shade val="50000"/>
-            </a:schemeClr>
-          </a:lnRef>
-          <a:fillRef idx="1">
-            <a:schemeClr val="accent6"/>
-          </a:fillRef>
-          <a:effectRef idx="0">
-            <a:schemeClr val="accent6"/>
-          </a:effectRef>
-          <a:fontRef idx="minor">
-            <a:schemeClr val="lt1"/>
-          </a:fontRef>
-        </p:style>
-        <p:txBody>
-          <a:bodyPr rtlCol="0" anchor="ctr"/>
-          <a:lstStyle/>
-          <a:p>
-            <a:pPr algn="ctr"/>
-            <a:r>
-              <a:rPr lang="ru-RU" sz="1100" dirty="0"/>
-              <a:t>Проверка на соблюдение требований ФГОС</a:t>
-            </a:r>
-          </a:p>
-        </p:txBody>
-      </p:sp>
-      <p:sp>
-        <p:nvSpPr>
-          <p:cNvPr id="35" name="Прямоугольник 34">
-            <a:extLst>
-              <a:ext uri="{FF2B5EF4-FFF2-40B4-BE49-F238E27FC236}">
-                <a16:creationId xmlns:a16="http://schemas.microsoft.com/office/drawing/2014/main" id="{B8953D80-56FA-4D94-B358-0895CD754404}"/>
-              </a:ext>
-            </a:extLst>
-          </p:cNvPr>
-          <p:cNvSpPr/>
-          <p:nvPr/>
-        </p:nvSpPr>
-        <p:spPr>
-          <a:xfrm>
-            <a:off x="2589801" y="2152266"/>
-            <a:ext cx="2036865" cy="1403955"/>
-          </a:xfrm>
-          <a:prstGeom prst="rect">
-            <a:avLst/>
-          </a:prstGeom>
-          <a:noFill/>
-          <a:ln>
-            <a:solidFill>
-              <a:srgbClr val="FFC000"/>
-            </a:solidFill>
-          </a:ln>
-        </p:spPr>
-        <p:style>
-          <a:lnRef idx="2">
-            <a:schemeClr val="accent1">
-              <a:shade val="50000"/>
-            </a:schemeClr>
-          </a:lnRef>
-          <a:fillRef idx="1">
-            <a:schemeClr val="accent1"/>
-          </a:fillRef>
-          <a:effectRef idx="0">
-            <a:schemeClr val="accent1"/>
-          </a:effectRef>
-          <a:fontRef idx="minor">
-            <a:schemeClr val="lt1"/>
-          </a:fontRef>
-        </p:style>
-        <p:txBody>
-          <a:bodyPr rtlCol="0" anchor="ctr"/>
-          <a:lstStyle/>
-          <a:p>
-            <a:pPr algn="ctr"/>
-            <a:endParaRPr lang="ru-RU"/>
-          </a:p>
-        </p:txBody>
-      </p:sp>
-      <p:cxnSp>
-        <p:nvCxnSpPr>
-          <p:cNvPr id="20" name="Прямая со стрелкой 19">
-            <a:extLst>
-              <a:ext uri="{FF2B5EF4-FFF2-40B4-BE49-F238E27FC236}">
-                <a16:creationId xmlns:a16="http://schemas.microsoft.com/office/drawing/2014/main" id="{6B01C3EC-BBFB-468F-9CAB-B0E379ECBFDA}"/>
-              </a:ext>
-            </a:extLst>
-          </p:cNvPr>
-          <p:cNvCxnSpPr>
-            <a:cxnSpLocks/>
-            <a:endCxn id="25" idx="2"/>
-          </p:cNvCxnSpPr>
-          <p:nvPr/>
-        </p:nvCxnSpPr>
-        <p:spPr>
-          <a:xfrm flipV="1">
-            <a:off x="907937" y="3268740"/>
-            <a:ext cx="1750914" cy="392524"/>
-          </a:xfrm>
-          <a:prstGeom prst="straightConnector1">
-            <a:avLst/>
-          </a:prstGeom>
-          <a:ln>
-            <a:tailEnd type="triangle"/>
-          </a:ln>
-        </p:spPr>
-        <p:style>
-          <a:lnRef idx="2">
-            <a:schemeClr val="accent4"/>
-          </a:lnRef>
-          <a:fillRef idx="0">
-            <a:schemeClr val="accent4"/>
-          </a:fillRef>
-          <a:effectRef idx="1">
-            <a:schemeClr val="accent4"/>
-          </a:effectRef>
-          <a:fontRef idx="minor">
-            <a:schemeClr val="tx1"/>
-          </a:fontRef>
-        </p:style>
-      </p:cxnSp>
-      <p:cxnSp>
-        <p:nvCxnSpPr>
-          <p:cNvPr id="38" name="Прямая со стрелкой 37">
-            <a:extLst>
-              <a:ext uri="{FF2B5EF4-FFF2-40B4-BE49-F238E27FC236}">
-                <a16:creationId xmlns:a16="http://schemas.microsoft.com/office/drawing/2014/main" id="{143071A6-F7EA-441D-B227-DFBFDAD71B94}"/>
-              </a:ext>
-            </a:extLst>
-          </p:cNvPr>
-          <p:cNvCxnSpPr>
-            <a:cxnSpLocks/>
-            <a:endCxn id="27" idx="2"/>
-          </p:cNvCxnSpPr>
-          <p:nvPr/>
-        </p:nvCxnSpPr>
-        <p:spPr>
-          <a:xfrm flipV="1">
-            <a:off x="907937" y="2561126"/>
-            <a:ext cx="1750914" cy="906000"/>
-          </a:xfrm>
-          <a:prstGeom prst="straightConnector1">
-            <a:avLst/>
-          </a:prstGeom>
-          <a:ln>
-            <a:tailEnd type="triangle"/>
-          </a:ln>
-        </p:spPr>
-        <p:style>
-          <a:lnRef idx="2">
-            <a:schemeClr val="accent4"/>
-          </a:lnRef>
-          <a:fillRef idx="0">
-            <a:schemeClr val="accent4"/>
-          </a:fillRef>
-          <a:effectRef idx="1">
-            <a:schemeClr val="accent4"/>
-          </a:effectRef>
-          <a:fontRef idx="minor">
-            <a:schemeClr val="tx1"/>
-          </a:fontRef>
-        </p:style>
-      </p:cxnSp>
-    </p:spTree>
-    <p:extLst>
-      <p:ext uri="{BB962C8B-B14F-4D97-AF65-F5344CB8AC3E}">
-        <p14:creationId xmlns:p14="http://schemas.microsoft.com/office/powerpoint/2010/main" val="4286978001"/>
-      </p:ext>
-    </p:extLst>
-  </p:cSld>
-  <p:clrMapOvr>
-    <a:masterClrMapping/>
-  </p:clrMapOvr>
-</p:sld>
-</file>
-
-<file path=ppt/slides/slide4.xml><?xml version="1.0" encoding="utf-8"?>
+<file path=ppt/slides/slide5.xml><?xml version="1.0" encoding="utf-8"?>
 <p:sld xmlns:a="http://schemas.openxmlformats.org/drawingml/2006/main" xmlns:r="http://schemas.openxmlformats.org/officeDocument/2006/relationships" xmlns:p="http://schemas.openxmlformats.org/presentationml/2006/main">
   <p:cSld>
     <p:spTree>
@@ -27339,7 +28322,7 @@
 </p:sld>
 </file>
 
-<file path=ppt/slides/slide5.xml><?xml version="1.0" encoding="utf-8"?>
+<file path=ppt/slides/slide6.xml><?xml version="1.0" encoding="utf-8"?>
 <p:sld xmlns:a="http://schemas.openxmlformats.org/drawingml/2006/main" xmlns:r="http://schemas.openxmlformats.org/officeDocument/2006/relationships" xmlns:p="http://schemas.openxmlformats.org/presentationml/2006/main">
   <p:cSld>
     <p:spTree>
@@ -27864,7 +28847,7 @@
 </p:sld>
 </file>
 
-<file path=ppt/slides/slide6.xml><?xml version="1.0" encoding="utf-8"?>
+<file path=ppt/slides/slide7.xml><?xml version="1.0" encoding="utf-8"?>
 <p:sld xmlns:a="http://schemas.openxmlformats.org/drawingml/2006/main" xmlns:r="http://schemas.openxmlformats.org/officeDocument/2006/relationships" xmlns:p="http://schemas.openxmlformats.org/presentationml/2006/main">
   <p:cSld>
     <p:spTree>
@@ -28398,7 +29381,7 @@
 </p:sld>
 </file>
 
-<file path=ppt/slides/slide7.xml><?xml version="1.0" encoding="utf-8"?>
+<file path=ppt/slides/slide8.xml><?xml version="1.0" encoding="utf-8"?>
 <p:sld xmlns:a="http://schemas.openxmlformats.org/drawingml/2006/main" xmlns:r="http://schemas.openxmlformats.org/officeDocument/2006/relationships" xmlns:p="http://schemas.openxmlformats.org/presentationml/2006/main">
   <p:cSld>
     <p:spTree>
@@ -28927,7 +29910,7 @@
 </p:sld>
 </file>
 
-<file path=ppt/slides/slide8.xml><?xml version="1.0" encoding="utf-8"?>
+<file path=ppt/slides/slide9.xml><?xml version="1.0" encoding="utf-8"?>
 <p:sld xmlns:a="http://schemas.openxmlformats.org/drawingml/2006/main" xmlns:r="http://schemas.openxmlformats.org/officeDocument/2006/relationships" xmlns:p="http://schemas.openxmlformats.org/presentationml/2006/main">
   <p:cSld>
     <p:spTree>
@@ -29450,784 +30433,6 @@
       <p:bldP spid="3" grpId="0" animBg="1"/>
       <p:bldP spid="7" grpId="0" animBg="1"/>
       <p:bldP spid="6" grpId="0" animBg="1"/>
-    </p:bldLst>
-  </p:timing>
-</p:sld>
-</file>
-
-<file path=ppt/slides/slide9.xml><?xml version="1.0" encoding="utf-8"?>
-<p:sld xmlns:a="http://schemas.openxmlformats.org/drawingml/2006/main" xmlns:r="http://schemas.openxmlformats.org/officeDocument/2006/relationships" xmlns:p="http://schemas.openxmlformats.org/presentationml/2006/main">
-  <p:cSld>
-    <p:spTree>
-      <p:nvGrpSpPr>
-        <p:cNvPr id="1" name=""/>
-        <p:cNvGrpSpPr/>
-        <p:nvPr/>
-      </p:nvGrpSpPr>
-      <p:grpSpPr>
-        <a:xfrm>
-          <a:off x="0" y="0"/>
-          <a:ext cx="0" cy="0"/>
-          <a:chOff x="0" y="0"/>
-          <a:chExt cx="0" cy="0"/>
-        </a:xfrm>
-      </p:grpSpPr>
-      <p:pic>
-        <p:nvPicPr>
-          <p:cNvPr id="4" name="Рисунок 3">
-            <a:extLst>
-              <a:ext uri="{FF2B5EF4-FFF2-40B4-BE49-F238E27FC236}">
-                <a16:creationId xmlns:a16="http://schemas.microsoft.com/office/drawing/2014/main" id="{D1DF7A20-3022-4459-9423-43734D774FCC}"/>
-              </a:ext>
-            </a:extLst>
-          </p:cNvPr>
-          <p:cNvPicPr>
-            <a:picLocks noChangeAspect="1"/>
-          </p:cNvPicPr>
-          <p:nvPr/>
-        </p:nvPicPr>
-        <p:blipFill>
-          <a:blip r:embed="rId2"/>
-          <a:stretch>
-            <a:fillRect/>
-          </a:stretch>
-        </p:blipFill>
-        <p:spPr>
-          <a:xfrm>
-            <a:off x="0" y="1345915"/>
-            <a:ext cx="9144000" cy="1109400"/>
-          </a:xfrm>
-          <a:prstGeom prst="rect">
-            <a:avLst/>
-          </a:prstGeom>
-          <a:ln>
-            <a:noFill/>
-          </a:ln>
-          <a:effectLst>
-            <a:outerShdw blurRad="190500" algn="tl" rotWithShape="0">
-              <a:srgbClr val="000000">
-                <a:alpha val="70000"/>
-              </a:srgbClr>
-            </a:outerShdw>
-          </a:effectLst>
-        </p:spPr>
-      </p:pic>
-      <p:sp>
-        <p:nvSpPr>
-          <p:cNvPr id="10" name="TextBox 9">
-            <a:extLst>
-              <a:ext uri="{FF2B5EF4-FFF2-40B4-BE49-F238E27FC236}">
-                <a16:creationId xmlns:a16="http://schemas.microsoft.com/office/drawing/2014/main" id="{3E63BCEA-4912-4CF3-9DAF-9B83A355CB82}"/>
-              </a:ext>
-            </a:extLst>
-          </p:cNvPr>
-          <p:cNvSpPr txBox="1"/>
-          <p:nvPr/>
-        </p:nvSpPr>
-        <p:spPr>
-          <a:xfrm>
-            <a:off x="232802" y="129009"/>
-            <a:ext cx="3924300" cy="738664"/>
-          </a:xfrm>
-          <a:prstGeom prst="rect">
-            <a:avLst/>
-          </a:prstGeom>
-        </p:spPr>
-        <p:style>
-          <a:lnRef idx="2">
-            <a:schemeClr val="accent6"/>
-          </a:lnRef>
-          <a:fillRef idx="1">
-            <a:schemeClr val="lt1"/>
-          </a:fillRef>
-          <a:effectRef idx="0">
-            <a:schemeClr val="accent6"/>
-          </a:effectRef>
-          <a:fontRef idx="minor">
-            <a:schemeClr val="dk1"/>
-          </a:fontRef>
-        </p:style>
-        <p:txBody>
-          <a:bodyPr wrap="square" rtlCol="0">
-            <a:spAutoFit/>
-          </a:bodyPr>
-          <a:lstStyle/>
-          <a:p>
-            <a:pPr algn="ctr"/>
-            <a:r>
-              <a:rPr lang="ru-RU" dirty="0"/>
-              <a:t>Уровень образования, наименование специальности, направления подготовки, наименование присвоенной квалификации</a:t>
-            </a:r>
-          </a:p>
-        </p:txBody>
-      </p:sp>
-      <p:sp>
-        <p:nvSpPr>
-          <p:cNvPr id="3" name="Стрелка: вниз 2">
-            <a:extLst>
-              <a:ext uri="{FF2B5EF4-FFF2-40B4-BE49-F238E27FC236}">
-                <a16:creationId xmlns:a16="http://schemas.microsoft.com/office/drawing/2014/main" id="{0997EC17-D294-4AAC-89D2-286D2A9D22DD}"/>
-              </a:ext>
-            </a:extLst>
-          </p:cNvPr>
-          <p:cNvSpPr/>
-          <p:nvPr/>
-        </p:nvSpPr>
-        <p:spPr>
-          <a:xfrm>
-            <a:off x="3682284" y="860659"/>
-            <a:ext cx="501650" cy="463449"/>
-          </a:xfrm>
-          <a:prstGeom prst="downArrow">
-            <a:avLst/>
-          </a:prstGeom>
-        </p:spPr>
-        <p:style>
-          <a:lnRef idx="2">
-            <a:schemeClr val="accent1">
-              <a:shade val="50000"/>
-            </a:schemeClr>
-          </a:lnRef>
-          <a:fillRef idx="1">
-            <a:schemeClr val="accent1"/>
-          </a:fillRef>
-          <a:effectRef idx="0">
-            <a:schemeClr val="accent1"/>
-          </a:effectRef>
-          <a:fontRef idx="minor">
-            <a:schemeClr val="lt1"/>
-          </a:fontRef>
-        </p:style>
-        <p:txBody>
-          <a:bodyPr rtlCol="0" anchor="ctr"/>
-          <a:lstStyle/>
-          <a:p>
-            <a:pPr algn="ctr"/>
-            <a:endParaRPr lang="ru-RU"/>
-          </a:p>
-        </p:txBody>
-      </p:sp>
-      <p:sp>
-        <p:nvSpPr>
-          <p:cNvPr id="7" name="Стрелка: вниз 6">
-            <a:extLst>
-              <a:ext uri="{FF2B5EF4-FFF2-40B4-BE49-F238E27FC236}">
-                <a16:creationId xmlns:a16="http://schemas.microsoft.com/office/drawing/2014/main" id="{BF82D7B5-0E55-44F2-BAF5-9BA782E99223}"/>
-              </a:ext>
-            </a:extLst>
-          </p:cNvPr>
-          <p:cNvSpPr/>
-          <p:nvPr/>
-        </p:nvSpPr>
-        <p:spPr>
-          <a:xfrm>
-            <a:off x="3682284" y="2446592"/>
-            <a:ext cx="501650" cy="379118"/>
-          </a:xfrm>
-          <a:prstGeom prst="downArrow">
-            <a:avLst/>
-          </a:prstGeom>
-        </p:spPr>
-        <p:style>
-          <a:lnRef idx="2">
-            <a:schemeClr val="accent1">
-              <a:shade val="50000"/>
-            </a:schemeClr>
-          </a:lnRef>
-          <a:fillRef idx="1">
-            <a:schemeClr val="accent1"/>
-          </a:fillRef>
-          <a:effectRef idx="0">
-            <a:schemeClr val="accent1"/>
-          </a:effectRef>
-          <a:fontRef idx="minor">
-            <a:schemeClr val="lt1"/>
-          </a:fontRef>
-        </p:style>
-        <p:txBody>
-          <a:bodyPr rtlCol="0" anchor="ctr"/>
-          <a:lstStyle/>
-          <a:p>
-            <a:pPr algn="ctr"/>
-            <a:endParaRPr lang="ru-RU"/>
-          </a:p>
-        </p:txBody>
-      </p:sp>
-      <p:sp>
-        <p:nvSpPr>
-          <p:cNvPr id="6" name="Прямоугольник 5">
-            <a:extLst>
-              <a:ext uri="{FF2B5EF4-FFF2-40B4-BE49-F238E27FC236}">
-                <a16:creationId xmlns:a16="http://schemas.microsoft.com/office/drawing/2014/main" id="{50B64E88-C250-4A01-BDBD-365750F0F862}"/>
-              </a:ext>
-            </a:extLst>
-          </p:cNvPr>
-          <p:cNvSpPr/>
-          <p:nvPr/>
-        </p:nvSpPr>
-        <p:spPr>
-          <a:xfrm>
-            <a:off x="3568700" y="1337192"/>
-            <a:ext cx="1460500" cy="1109400"/>
-          </a:xfrm>
-          <a:prstGeom prst="rect">
-            <a:avLst/>
-          </a:prstGeom>
-          <a:noFill/>
-        </p:spPr>
-        <p:style>
-          <a:lnRef idx="2">
-            <a:schemeClr val="accent1">
-              <a:shade val="50000"/>
-            </a:schemeClr>
-          </a:lnRef>
-          <a:fillRef idx="1">
-            <a:schemeClr val="accent1"/>
-          </a:fillRef>
-          <a:effectRef idx="0">
-            <a:schemeClr val="accent1"/>
-          </a:effectRef>
-          <a:fontRef idx="minor">
-            <a:schemeClr val="lt1"/>
-          </a:fontRef>
-        </p:style>
-        <p:txBody>
-          <a:bodyPr rtlCol="0" anchor="ctr"/>
-          <a:lstStyle/>
-          <a:p>
-            <a:pPr algn="ctr"/>
-            <a:endParaRPr lang="ru-RU"/>
-          </a:p>
-        </p:txBody>
-      </p:sp>
-      <p:pic>
-        <p:nvPicPr>
-          <p:cNvPr id="9" name="Рисунок 8">
-            <a:extLst>
-              <a:ext uri="{FF2B5EF4-FFF2-40B4-BE49-F238E27FC236}">
-                <a16:creationId xmlns:a16="http://schemas.microsoft.com/office/drawing/2014/main" id="{B8474EBE-3B0C-4D4F-B3B8-5C1D1AE32902}"/>
-              </a:ext>
-            </a:extLst>
-          </p:cNvPr>
-          <p:cNvPicPr>
-            <a:picLocks noChangeAspect="1"/>
-          </p:cNvPicPr>
-          <p:nvPr/>
-        </p:nvPicPr>
-        <p:blipFill>
-          <a:blip r:embed="rId3"/>
-          <a:stretch>
-            <a:fillRect/>
-          </a:stretch>
-        </p:blipFill>
-        <p:spPr>
-          <a:xfrm>
-            <a:off x="3098800" y="2825710"/>
-            <a:ext cx="2472780" cy="1948251"/>
-          </a:xfrm>
-          <a:prstGeom prst="rect">
-            <a:avLst/>
-          </a:prstGeom>
-          <a:ln>
-            <a:noFill/>
-          </a:ln>
-          <a:effectLst>
-            <a:outerShdw blurRad="190500" algn="tl" rotWithShape="0">
-              <a:srgbClr val="000000">
-                <a:alpha val="70000"/>
-              </a:srgbClr>
-            </a:outerShdw>
-          </a:effectLst>
-        </p:spPr>
-      </p:pic>
-      <p:sp>
-        <p:nvSpPr>
-          <p:cNvPr id="11" name="TextBox 10">
-            <a:extLst>
-              <a:ext uri="{FF2B5EF4-FFF2-40B4-BE49-F238E27FC236}">
-                <a16:creationId xmlns:a16="http://schemas.microsoft.com/office/drawing/2014/main" id="{A6E4FBCB-065F-4867-A143-1197C56127A1}"/>
-              </a:ext>
-            </a:extLst>
-          </p:cNvPr>
-          <p:cNvSpPr txBox="1"/>
-          <p:nvPr/>
-        </p:nvSpPr>
-        <p:spPr>
-          <a:xfrm>
-            <a:off x="4157102" y="129201"/>
-            <a:ext cx="2658736" cy="738664"/>
-          </a:xfrm>
-          <a:prstGeom prst="rect">
-            <a:avLst/>
-          </a:prstGeom>
-        </p:spPr>
-        <p:style>
-          <a:lnRef idx="2">
-            <a:schemeClr val="accent6"/>
-          </a:lnRef>
-          <a:fillRef idx="1">
-            <a:schemeClr val="lt1"/>
-          </a:fillRef>
-          <a:effectRef idx="0">
-            <a:schemeClr val="accent6"/>
-          </a:effectRef>
-          <a:fontRef idx="minor">
-            <a:schemeClr val="dk1"/>
-          </a:fontRef>
-        </p:style>
-        <p:txBody>
-          <a:bodyPr wrap="square" rtlCol="0">
-            <a:spAutoFit/>
-          </a:bodyPr>
-          <a:lstStyle/>
-          <a:p>
-            <a:r>
-              <a:rPr lang="ru-RU" dirty="0"/>
-              <a:t>Сведения о дополнительном профессиональном образовании</a:t>
-            </a:r>
-          </a:p>
-        </p:txBody>
-      </p:sp>
-      <p:sp>
-        <p:nvSpPr>
-          <p:cNvPr id="12" name="Стрелка: вниз 11">
-            <a:extLst>
-              <a:ext uri="{FF2B5EF4-FFF2-40B4-BE49-F238E27FC236}">
-                <a16:creationId xmlns:a16="http://schemas.microsoft.com/office/drawing/2014/main" id="{3DBA9134-54C5-46C5-8F5A-FDC94594052F}"/>
-              </a:ext>
-            </a:extLst>
-          </p:cNvPr>
-          <p:cNvSpPr/>
-          <p:nvPr/>
-        </p:nvSpPr>
-        <p:spPr>
-          <a:xfrm>
-            <a:off x="4407927" y="860659"/>
-            <a:ext cx="501650" cy="463449"/>
-          </a:xfrm>
-          <a:prstGeom prst="downArrow">
-            <a:avLst/>
-          </a:prstGeom>
-        </p:spPr>
-        <p:style>
-          <a:lnRef idx="2">
-            <a:schemeClr val="accent1">
-              <a:shade val="50000"/>
-            </a:schemeClr>
-          </a:lnRef>
-          <a:fillRef idx="1">
-            <a:schemeClr val="accent1"/>
-          </a:fillRef>
-          <a:effectRef idx="0">
-            <a:schemeClr val="accent1"/>
-          </a:effectRef>
-          <a:fontRef idx="minor">
-            <a:schemeClr val="lt1"/>
-          </a:fontRef>
-        </p:style>
-        <p:txBody>
-          <a:bodyPr rtlCol="0" anchor="ctr"/>
-          <a:lstStyle/>
-          <a:p>
-            <a:pPr algn="ctr"/>
-            <a:endParaRPr lang="ru-RU"/>
-          </a:p>
-        </p:txBody>
-      </p:sp>
-      <p:sp>
-        <p:nvSpPr>
-          <p:cNvPr id="13" name="Стрелка: вниз 12">
-            <a:extLst>
-              <a:ext uri="{FF2B5EF4-FFF2-40B4-BE49-F238E27FC236}">
-                <a16:creationId xmlns:a16="http://schemas.microsoft.com/office/drawing/2014/main" id="{3ACE6489-E456-436C-AAFB-F5DBF27734BE}"/>
-              </a:ext>
-            </a:extLst>
-          </p:cNvPr>
-          <p:cNvSpPr/>
-          <p:nvPr/>
-        </p:nvSpPr>
-        <p:spPr>
-          <a:xfrm>
-            <a:off x="4407927" y="2446592"/>
-            <a:ext cx="501650" cy="379118"/>
-          </a:xfrm>
-          <a:prstGeom prst="downArrow">
-            <a:avLst/>
-          </a:prstGeom>
-        </p:spPr>
-        <p:style>
-          <a:lnRef idx="2">
-            <a:schemeClr val="accent1">
-              <a:shade val="50000"/>
-            </a:schemeClr>
-          </a:lnRef>
-          <a:fillRef idx="1">
-            <a:schemeClr val="accent1"/>
-          </a:fillRef>
-          <a:effectRef idx="0">
-            <a:schemeClr val="accent1"/>
-          </a:effectRef>
-          <a:fontRef idx="minor">
-            <a:schemeClr val="lt1"/>
-          </a:fontRef>
-        </p:style>
-        <p:txBody>
-          <a:bodyPr rtlCol="0" anchor="ctr"/>
-          <a:lstStyle/>
-          <a:p>
-            <a:pPr algn="ctr"/>
-            <a:endParaRPr lang="ru-RU"/>
-          </a:p>
-        </p:txBody>
-      </p:sp>
-    </p:spTree>
-    <p:extLst>
-      <p:ext uri="{BB962C8B-B14F-4D97-AF65-F5344CB8AC3E}">
-        <p14:creationId xmlns:p14="http://schemas.microsoft.com/office/powerpoint/2010/main" val="261643576"/>
-      </p:ext>
-    </p:extLst>
-  </p:cSld>
-  <p:clrMapOvr>
-    <a:masterClrMapping/>
-  </p:clrMapOvr>
-  <p:timing>
-    <p:tnLst>
-      <p:par>
-        <p:cTn id="1" dur="indefinite" restart="never" nodeType="tmRoot">
-          <p:childTnLst>
-            <p:seq concurrent="1" nextAc="seek">
-              <p:cTn id="2" dur="indefinite" nodeType="mainSeq">
-                <p:childTnLst>
-                  <p:par>
-                    <p:cTn id="3" fill="hold">
-                      <p:stCondLst>
-                        <p:cond delay="indefinite"/>
-                        <p:cond evt="onBegin" delay="0">
-                          <p:tn val="2"/>
-                        </p:cond>
-                      </p:stCondLst>
-                      <p:childTnLst>
-                        <p:par>
-                          <p:cTn id="4" fill="hold">
-                            <p:stCondLst>
-                              <p:cond delay="0"/>
-                            </p:stCondLst>
-                            <p:childTnLst>
-                              <p:par>
-                                <p:cTn id="5" presetID="14" presetClass="entr" presetSubtype="10" fill="hold" grpId="0" nodeType="withEffect">
-                                  <p:stCondLst>
-                                    <p:cond delay="0"/>
-                                  </p:stCondLst>
-                                  <p:childTnLst>
-                                    <p:set>
-                                      <p:cBhvr>
-                                        <p:cTn id="6" dur="1" fill="hold">
-                                          <p:stCondLst>
-                                            <p:cond delay="0"/>
-                                          </p:stCondLst>
-                                        </p:cTn>
-                                        <p:tgtEl>
-                                          <p:spTgt spid="3"/>
-                                        </p:tgtEl>
-                                        <p:attrNameLst>
-                                          <p:attrName>style.visibility</p:attrName>
-                                        </p:attrNameLst>
-                                      </p:cBhvr>
-                                      <p:to>
-                                        <p:strVal val="visible"/>
-                                      </p:to>
-                                    </p:set>
-                                    <p:animEffect transition="in" filter="randombar(horizontal)">
-                                      <p:cBhvr>
-                                        <p:cTn id="7" dur="500"/>
-                                        <p:tgtEl>
-                                          <p:spTgt spid="3"/>
-                                        </p:tgtEl>
-                                      </p:cBhvr>
-                                    </p:animEffect>
-                                  </p:childTnLst>
-                                </p:cTn>
-                              </p:par>
-                              <p:par>
-                                <p:cTn id="8" presetID="14" presetClass="entr" presetSubtype="10" fill="hold" grpId="0" nodeType="withEffect">
-                                  <p:stCondLst>
-                                    <p:cond delay="0"/>
-                                  </p:stCondLst>
-                                  <p:childTnLst>
-                                    <p:set>
-                                      <p:cBhvr>
-                                        <p:cTn id="9" dur="1" fill="hold">
-                                          <p:stCondLst>
-                                            <p:cond delay="0"/>
-                                          </p:stCondLst>
-                                        </p:cTn>
-                                        <p:tgtEl>
-                                          <p:spTgt spid="12"/>
-                                        </p:tgtEl>
-                                        <p:attrNameLst>
-                                          <p:attrName>style.visibility</p:attrName>
-                                        </p:attrNameLst>
-                                      </p:cBhvr>
-                                      <p:to>
-                                        <p:strVal val="visible"/>
-                                      </p:to>
-                                    </p:set>
-                                    <p:animEffect transition="in" filter="randombar(horizontal)">
-                                      <p:cBhvr>
-                                        <p:cTn id="10" dur="500"/>
-                                        <p:tgtEl>
-                                          <p:spTgt spid="12"/>
-                                        </p:tgtEl>
-                                      </p:cBhvr>
-                                    </p:animEffect>
-                                  </p:childTnLst>
-                                </p:cTn>
-                              </p:par>
-                              <p:par>
-                                <p:cTn id="11" presetID="14" presetClass="entr" presetSubtype="10" fill="hold" grpId="0" nodeType="withEffect">
-                                  <p:stCondLst>
-                                    <p:cond delay="0"/>
-                                  </p:stCondLst>
-                                  <p:childTnLst>
-                                    <p:set>
-                                      <p:cBhvr>
-                                        <p:cTn id="12" dur="1" fill="hold">
-                                          <p:stCondLst>
-                                            <p:cond delay="0"/>
-                                          </p:stCondLst>
-                                        </p:cTn>
-                                        <p:tgtEl>
-                                          <p:spTgt spid="11"/>
-                                        </p:tgtEl>
-                                        <p:attrNameLst>
-                                          <p:attrName>style.visibility</p:attrName>
-                                        </p:attrNameLst>
-                                      </p:cBhvr>
-                                      <p:to>
-                                        <p:strVal val="visible"/>
-                                      </p:to>
-                                    </p:set>
-                                    <p:animEffect transition="in" filter="randombar(horizontal)">
-                                      <p:cBhvr>
-                                        <p:cTn id="13" dur="500"/>
-                                        <p:tgtEl>
-                                          <p:spTgt spid="11"/>
-                                        </p:tgtEl>
-                                      </p:cBhvr>
-                                    </p:animEffect>
-                                  </p:childTnLst>
-                                </p:cTn>
-                              </p:par>
-                              <p:par>
-                                <p:cTn id="14" presetID="14" presetClass="entr" presetSubtype="10" fill="hold" grpId="0" nodeType="withEffect">
-                                  <p:stCondLst>
-                                    <p:cond delay="0"/>
-                                  </p:stCondLst>
-                                  <p:childTnLst>
-                                    <p:set>
-                                      <p:cBhvr>
-                                        <p:cTn id="15" dur="1" fill="hold">
-                                          <p:stCondLst>
-                                            <p:cond delay="0"/>
-                                          </p:stCondLst>
-                                        </p:cTn>
-                                        <p:tgtEl>
-                                          <p:spTgt spid="10"/>
-                                        </p:tgtEl>
-                                        <p:attrNameLst>
-                                          <p:attrName>style.visibility</p:attrName>
-                                        </p:attrNameLst>
-                                      </p:cBhvr>
-                                      <p:to>
-                                        <p:strVal val="visible"/>
-                                      </p:to>
-                                    </p:set>
-                                    <p:animEffect transition="in" filter="randombar(horizontal)">
-                                      <p:cBhvr>
-                                        <p:cTn id="16" dur="500"/>
-                                        <p:tgtEl>
-                                          <p:spTgt spid="10"/>
-                                        </p:tgtEl>
-                                      </p:cBhvr>
-                                    </p:animEffect>
-                                  </p:childTnLst>
-                                </p:cTn>
-                              </p:par>
-                              <p:par>
-                                <p:cTn id="17" presetID="14" presetClass="entr" presetSubtype="10" fill="hold" nodeType="withEffect">
-                                  <p:stCondLst>
-                                    <p:cond delay="0"/>
-                                  </p:stCondLst>
-                                  <p:childTnLst>
-                                    <p:set>
-                                      <p:cBhvr>
-                                        <p:cTn id="18" dur="1" fill="hold">
-                                          <p:stCondLst>
-                                            <p:cond delay="0"/>
-                                          </p:stCondLst>
-                                        </p:cTn>
-                                        <p:tgtEl>
-                                          <p:spTgt spid="9"/>
-                                        </p:tgtEl>
-                                        <p:attrNameLst>
-                                          <p:attrName>style.visibility</p:attrName>
-                                        </p:attrNameLst>
-                                      </p:cBhvr>
-                                      <p:to>
-                                        <p:strVal val="visible"/>
-                                      </p:to>
-                                    </p:set>
-                                    <p:animEffect transition="in" filter="randombar(horizontal)">
-                                      <p:cBhvr>
-                                        <p:cTn id="19" dur="500"/>
-                                        <p:tgtEl>
-                                          <p:spTgt spid="9"/>
-                                        </p:tgtEl>
-                                      </p:cBhvr>
-                                    </p:animEffect>
-                                  </p:childTnLst>
-                                </p:cTn>
-                              </p:par>
-                              <p:par>
-                                <p:cTn id="20" presetID="14" presetClass="entr" presetSubtype="10" fill="hold" grpId="0" nodeType="withEffect">
-                                  <p:stCondLst>
-                                    <p:cond delay="0"/>
-                                  </p:stCondLst>
-                                  <p:childTnLst>
-                                    <p:set>
-                                      <p:cBhvr>
-                                        <p:cTn id="21" dur="1" fill="hold">
-                                          <p:stCondLst>
-                                            <p:cond delay="0"/>
-                                          </p:stCondLst>
-                                        </p:cTn>
-                                        <p:tgtEl>
-                                          <p:spTgt spid="7"/>
-                                        </p:tgtEl>
-                                        <p:attrNameLst>
-                                          <p:attrName>style.visibility</p:attrName>
-                                        </p:attrNameLst>
-                                      </p:cBhvr>
-                                      <p:to>
-                                        <p:strVal val="visible"/>
-                                      </p:to>
-                                    </p:set>
-                                    <p:animEffect transition="in" filter="randombar(horizontal)">
-                                      <p:cBhvr>
-                                        <p:cTn id="22" dur="500"/>
-                                        <p:tgtEl>
-                                          <p:spTgt spid="7"/>
-                                        </p:tgtEl>
-                                      </p:cBhvr>
-                                    </p:animEffect>
-                                  </p:childTnLst>
-                                </p:cTn>
-                              </p:par>
-                              <p:par>
-                                <p:cTn id="23" presetID="14" presetClass="entr" presetSubtype="10" fill="hold" grpId="0" nodeType="withEffect">
-                                  <p:stCondLst>
-                                    <p:cond delay="0"/>
-                                  </p:stCondLst>
-                                  <p:childTnLst>
-                                    <p:set>
-                                      <p:cBhvr>
-                                        <p:cTn id="24" dur="1" fill="hold">
-                                          <p:stCondLst>
-                                            <p:cond delay="0"/>
-                                          </p:stCondLst>
-                                        </p:cTn>
-                                        <p:tgtEl>
-                                          <p:spTgt spid="13"/>
-                                        </p:tgtEl>
-                                        <p:attrNameLst>
-                                          <p:attrName>style.visibility</p:attrName>
-                                        </p:attrNameLst>
-                                      </p:cBhvr>
-                                      <p:to>
-                                        <p:strVal val="visible"/>
-                                      </p:to>
-                                    </p:set>
-                                    <p:animEffect transition="in" filter="randombar(horizontal)">
-                                      <p:cBhvr>
-                                        <p:cTn id="25" dur="500"/>
-                                        <p:tgtEl>
-                                          <p:spTgt spid="13"/>
-                                        </p:tgtEl>
-                                      </p:cBhvr>
-                                    </p:animEffect>
-                                  </p:childTnLst>
-                                </p:cTn>
-                              </p:par>
-                              <p:par>
-                                <p:cTn id="26" presetID="14" presetClass="entr" presetSubtype="10" fill="hold" grpId="0" nodeType="withEffect">
-                                  <p:stCondLst>
-                                    <p:cond delay="0"/>
-                                  </p:stCondLst>
-                                  <p:childTnLst>
-                                    <p:set>
-                                      <p:cBhvr>
-                                        <p:cTn id="27" dur="1" fill="hold">
-                                          <p:stCondLst>
-                                            <p:cond delay="0"/>
-                                          </p:stCondLst>
-                                        </p:cTn>
-                                        <p:tgtEl>
-                                          <p:spTgt spid="6"/>
-                                        </p:tgtEl>
-                                        <p:attrNameLst>
-                                          <p:attrName>style.visibility</p:attrName>
-                                        </p:attrNameLst>
-                                      </p:cBhvr>
-                                      <p:to>
-                                        <p:strVal val="visible"/>
-                                      </p:to>
-                                    </p:set>
-                                    <p:animEffect transition="in" filter="randombar(horizontal)">
-                                      <p:cBhvr>
-                                        <p:cTn id="28" dur="500"/>
-                                        <p:tgtEl>
-                                          <p:spTgt spid="6"/>
-                                        </p:tgtEl>
-                                      </p:cBhvr>
-                                    </p:animEffect>
-                                  </p:childTnLst>
-                                </p:cTn>
-                              </p:par>
-                            </p:childTnLst>
-                          </p:cTn>
-                        </p:par>
-                      </p:childTnLst>
-                    </p:cTn>
-                  </p:par>
-                </p:childTnLst>
-              </p:cTn>
-              <p:prevCondLst>
-                <p:cond evt="onPrev" delay="0">
-                  <p:tgtEl>
-                    <p:sldTgt/>
-                  </p:tgtEl>
-                </p:cond>
-              </p:prevCondLst>
-              <p:nextCondLst>
-                <p:cond evt="onNext" delay="0">
-                  <p:tgtEl>
-                    <p:sldTgt/>
-                  </p:tgtEl>
-                </p:cond>
-              </p:nextCondLst>
-            </p:seq>
-          </p:childTnLst>
-        </p:cTn>
-      </p:par>
-    </p:tnLst>
-    <p:bldLst>
-      <p:bldP spid="10" grpId="0" animBg="1"/>
-      <p:bldP spid="3" grpId="0" animBg="1"/>
-      <p:bldP spid="7" grpId="0" animBg="1"/>
-      <p:bldP spid="6" grpId="0" animBg="1"/>
-      <p:bldP spid="11" grpId="0" animBg="1"/>
-      <p:bldP spid="12" grpId="0" animBg="1"/>
-      <p:bldP spid="13" grpId="0" animBg="1"/>
     </p:bldLst>
   </p:timing>
 </p:sld>
